--- a/presentation.pptx
+++ b/presentation.pptx
@@ -8,6 +8,11 @@
     <p:sldId id="256" r:id="rId2"/>
     <p:sldId id="257" r:id="rId3"/>
     <p:sldId id="258" r:id="rId4"/>
+    <p:sldId id="259" r:id="rId5"/>
+    <p:sldId id="260" r:id="rId6"/>
+    <p:sldId id="261" r:id="rId7"/>
+    <p:sldId id="262" r:id="rId8"/>
+    <p:sldId id="263" r:id="rId9"/>
   </p:sldIdLst>
   <p:sldSz cx="12192000" cy="6858000"/>
   <p:notesSz cx="6858000" cy="9144000"/>
@@ -106,6 +111,11 @@
       </a:defRPr>
     </a:lvl9pPr>
   </p:defaultTextStyle>
+  <p:extLst>
+    <p:ext uri="{EFAFB233-063F-42B5-8137-9DF3F51BA10A}">
+      <p15:sldGuideLst xmlns:p15="http://schemas.microsoft.com/office/powerpoint/2012/main"/>
+    </p:ext>
+  </p:extLst>
 </p:presentation>
 </file>
 
@@ -3309,6 +3319,14 @@
 <file path=ppt/slides/slide1.xml><?xml version="1.0" encoding="utf-8"?>
 <p:sld xmlns:a="http://schemas.openxmlformats.org/drawingml/2006/main" xmlns:r="http://schemas.openxmlformats.org/officeDocument/2006/relationships" xmlns:p="http://schemas.openxmlformats.org/presentationml/2006/main">
   <p:cSld>
+    <p:bg>
+      <p:bgPr>
+        <a:solidFill>
+          <a:schemeClr val="bg1"/>
+        </a:solidFill>
+        <a:effectLst/>
+      </p:bgPr>
+    </p:bg>
     <p:spTree>
       <p:nvGrpSpPr>
         <p:cNvPr id="1" name=""/>
@@ -3325,6 +3343,137 @@
       </p:grpSpPr>
       <p:sp>
         <p:nvSpPr>
+          <p:cNvPr id="10" name="Rectangle 9">
+            <a:extLst>
+              <a:ext uri="{FF2B5EF4-FFF2-40B4-BE49-F238E27FC236}">
+                <a16:creationId xmlns:a16="http://schemas.microsoft.com/office/drawing/2014/main" id="{35555856-9970-4BC3-9AA9-6A917F53AFBD}"/>
+              </a:ext>
+              <a:ext uri="{C183D7F6-B498-43B3-948B-1728B52AA6E4}">
+                <adec:decorative xmlns:adec="http://schemas.microsoft.com/office/drawing/2017/decorative" val="1"/>
+              </a:ext>
+            </a:extLst>
+          </p:cNvPr>
+          <p:cNvSpPr>
+            <a:spLocks noGrp="1" noRot="1" noChangeAspect="1" noMove="1" noResize="1" noEditPoints="1" noAdjustHandles="1" noChangeArrowheads="1" noChangeShapeType="1" noTextEdit="1"/>
+          </p:cNvSpPr>
+          <p:nvPr>
+            <p:extLst>
+              <p:ext uri="{386F3935-93C4-4BCD-93E2-E3B085C9AB24}">
+                <p16:designElem xmlns:p16="http://schemas.microsoft.com/office/powerpoint/2015/main" val="1"/>
+              </p:ext>
+            </p:extLst>
+          </p:nvPr>
+        </p:nvSpPr>
+        <p:spPr>
+          <a:xfrm>
+            <a:off x="5769972" y="0"/>
+            <a:ext cx="6421721" cy="6858000"/>
+          </a:xfrm>
+          <a:prstGeom prst="rect">
+            <a:avLst/>
+          </a:prstGeom>
+          <a:gradFill>
+            <a:gsLst>
+              <a:gs pos="0">
+                <a:schemeClr val="accent1">
+                  <a:lumMod val="100000"/>
+                  <a:alpha val="82000"/>
+                </a:schemeClr>
+              </a:gs>
+              <a:gs pos="25000">
+                <a:schemeClr val="accent1">
+                  <a:alpha val="60000"/>
+                </a:schemeClr>
+              </a:gs>
+              <a:gs pos="94000">
+                <a:schemeClr val="bg2">
+                  <a:lumMod val="75000"/>
+                </a:schemeClr>
+              </a:gs>
+              <a:gs pos="100000">
+                <a:schemeClr val="bg2">
+                  <a:lumMod val="75000"/>
+                </a:schemeClr>
+              </a:gs>
+            </a:gsLst>
+            <a:lin ang="4200000" scaled="0"/>
+          </a:gradFill>
+          <a:ln>
+            <a:noFill/>
+          </a:ln>
+        </p:spPr>
+        <p:style>
+          <a:lnRef idx="2">
+            <a:schemeClr val="accent1">
+              <a:shade val="50000"/>
+            </a:schemeClr>
+          </a:lnRef>
+          <a:fillRef idx="1">
+            <a:schemeClr val="accent1"/>
+          </a:fillRef>
+          <a:effectRef idx="0">
+            <a:schemeClr val="accent1"/>
+          </a:effectRef>
+          <a:fontRef idx="minor">
+            <a:schemeClr val="lt1"/>
+          </a:fontRef>
+        </p:style>
+        <p:txBody>
+          <a:bodyPr rtlCol="0" anchor="ctr"/>
+          <a:lstStyle/>
+          <a:p>
+            <a:pPr algn="ctr"/>
+            <a:endParaRPr lang="en-US"/>
+          </a:p>
+        </p:txBody>
+      </p:sp>
+      <p:pic>
+        <p:nvPicPr>
+          <p:cNvPr id="12" name="Picture 11">
+            <a:extLst>
+              <a:ext uri="{FF2B5EF4-FFF2-40B4-BE49-F238E27FC236}">
+                <a16:creationId xmlns:a16="http://schemas.microsoft.com/office/drawing/2014/main" id="{7F487851-BFAF-46D8-A1ED-50CAD6E46F59}"/>
+              </a:ext>
+              <a:ext uri="{C183D7F6-B498-43B3-948B-1728B52AA6E4}">
+                <adec:decorative xmlns:adec="http://schemas.microsoft.com/office/drawing/2017/decorative" val="1"/>
+              </a:ext>
+            </a:extLst>
+          </p:cNvPr>
+          <p:cNvPicPr>
+            <a:picLocks noGrp="1" noRot="1" noChangeAspect="1" noMove="1" noResize="1" noEditPoints="1" noAdjustHandles="1" noChangeArrowheads="1" noChangeShapeType="1" noCrop="1"/>
+          </p:cNvPicPr>
+          <p:nvPr>
+            <p:extLst>
+              <p:ext uri="{386F3935-93C4-4BCD-93E2-E3B085C9AB24}">
+                <p16:designElem xmlns:p16="http://schemas.microsoft.com/office/powerpoint/2015/main" val="1"/>
+              </p:ext>
+            </p:extLst>
+          </p:nvPr>
+        </p:nvPicPr>
+        <p:blipFill>
+          <a:blip r:embed="rId2">
+            <a:extLst>
+              <a:ext uri="{28A0092B-C50C-407E-A947-70E740481C1C}">
+                <a14:useLocalDpi xmlns:a14="http://schemas.microsoft.com/office/drawing/2010/main" val="0"/>
+              </a:ext>
+            </a:extLst>
+          </a:blip>
+          <a:stretch>
+            <a:fillRect/>
+          </a:stretch>
+        </p:blipFill>
+        <p:spPr>
+          <a:xfrm flipH="1">
+            <a:off x="0" y="0"/>
+            <a:ext cx="12192000" cy="6858000"/>
+          </a:xfrm>
+          <a:prstGeom prst="rect">
+            <a:avLst/>
+          </a:prstGeom>
+        </p:spPr>
+      </p:pic>
+      <p:sp>
+        <p:nvSpPr>
           <p:cNvPr id="2" name="标题 1">
             <a:extLst>
               <a:ext uri="{FF2B5EF4-FFF2-40B4-BE49-F238E27FC236}">
@@ -3339,16 +3488,32 @@
             <p:ph type="ctrTitle"/>
           </p:nvPr>
         </p:nvSpPr>
-        <p:spPr/>
-        <p:txBody>
-          <a:bodyPr/>
-          <a:lstStyle/>
-          <a:p>
-            <a:r>
-              <a:rPr lang="en-US" altLang="zh-CN" dirty="0"/>
+        <p:spPr>
+          <a:xfrm>
+            <a:off x="804484" y="4267832"/>
+            <a:ext cx="4805996" cy="1297115"/>
+          </a:xfrm>
+        </p:spPr>
+        <p:txBody>
+          <a:bodyPr anchor="t">
+            <a:normAutofit/>
+          </a:bodyPr>
+          <a:lstStyle/>
+          <a:p>
+            <a:pPr algn="l"/>
+            <a:r>
+              <a:rPr lang="en-US" altLang="zh-CN" sz="4400">
+                <a:solidFill>
+                  <a:srgbClr val="000000"/>
+                </a:solidFill>
+              </a:rPr>
               <a:t>Plant a tree	</a:t>
             </a:r>
-            <a:endParaRPr lang="zh-CN" altLang="en-US" dirty="0"/>
+            <a:endParaRPr lang="zh-CN" altLang="en-US" sz="4400">
+              <a:solidFill>
+                <a:srgbClr val="000000"/>
+              </a:solidFill>
+            </a:endParaRPr>
           </a:p>
         </p:txBody>
       </p:sp>
@@ -3368,19 +3533,272 @@
             <p:ph type="subTitle" idx="1"/>
           </p:nvPr>
         </p:nvSpPr>
-        <p:spPr/>
-        <p:txBody>
-          <a:bodyPr/>
-          <a:lstStyle/>
-          <a:p>
-            <a:r>
-              <a:rPr lang="en-US" altLang="zh-CN" dirty="0"/>
+        <p:spPr>
+          <a:xfrm>
+            <a:off x="804788" y="3428999"/>
+            <a:ext cx="4805691" cy="838831"/>
+          </a:xfrm>
+        </p:spPr>
+        <p:txBody>
+          <a:bodyPr anchor="b">
+            <a:normAutofit/>
+          </a:bodyPr>
+          <a:lstStyle/>
+          <a:p>
+            <a:pPr algn="l"/>
+            <a:r>
+              <a:rPr lang="en-US" altLang="zh-CN" sz="1800">
+                <a:solidFill>
+                  <a:srgbClr val="000000"/>
+                </a:solidFill>
+              </a:rPr>
               <a:t>A solution to crowd lending and crowd funding</a:t>
             </a:r>
-            <a:endParaRPr lang="zh-CN" altLang="en-US" dirty="0"/>
-          </a:p>
-        </p:txBody>
-      </p:sp>
+            <a:endParaRPr lang="zh-CN" altLang="en-US" sz="1800">
+              <a:solidFill>
+                <a:srgbClr val="000000"/>
+              </a:solidFill>
+            </a:endParaRPr>
+          </a:p>
+        </p:txBody>
+      </p:sp>
+      <p:sp>
+        <p:nvSpPr>
+          <p:cNvPr id="14" name="Freeform 50">
+            <a:extLst>
+              <a:ext uri="{FF2B5EF4-FFF2-40B4-BE49-F238E27FC236}">
+                <a16:creationId xmlns:a16="http://schemas.microsoft.com/office/drawing/2014/main" id="{13722DD7-BA73-4776-93A3-94491FEF7260}"/>
+              </a:ext>
+              <a:ext uri="{C183D7F6-B498-43B3-948B-1728B52AA6E4}">
+                <adec:decorative xmlns:adec="http://schemas.microsoft.com/office/drawing/2017/decorative" val="1"/>
+              </a:ext>
+            </a:extLst>
+          </p:cNvPr>
+          <p:cNvSpPr>
+            <a:spLocks noGrp="1" noRot="1" noChangeAspect="1" noMove="1" noResize="1" noEditPoints="1" noAdjustHandles="1" noChangeArrowheads="1" noChangeShapeType="1" noTextEdit="1"/>
+          </p:cNvSpPr>
+          <p:nvPr>
+            <p:extLst>
+              <p:ext uri="{386F3935-93C4-4BCD-93E2-E3B085C9AB24}">
+                <p16:designElem xmlns:p16="http://schemas.microsoft.com/office/powerpoint/2015/main" val="1"/>
+              </p:ext>
+            </p:extLst>
+          </p:nvPr>
+        </p:nvSpPr>
+        <p:spPr>
+          <a:xfrm>
+            <a:off x="6727121" y="581159"/>
+            <a:ext cx="5464879" cy="6276841"/>
+          </a:xfrm>
+          <a:custGeom>
+            <a:avLst/>
+            <a:gdLst>
+              <a:gd name="connsiteX0" fmla="*/ 3299930 w 5464879"/>
+              <a:gd name="connsiteY0" fmla="*/ 0 h 6276841"/>
+              <a:gd name="connsiteX1" fmla="*/ 5398992 w 5464879"/>
+              <a:gd name="connsiteY1" fmla="*/ 753544 h 6276841"/>
+              <a:gd name="connsiteX2" fmla="*/ 5464879 w 5464879"/>
+              <a:gd name="connsiteY2" fmla="*/ 813426 h 6276841"/>
+              <a:gd name="connsiteX3" fmla="*/ 5464879 w 5464879"/>
+              <a:gd name="connsiteY3" fmla="*/ 5786434 h 6276841"/>
+              <a:gd name="connsiteX4" fmla="*/ 5398992 w 5464879"/>
+              <a:gd name="connsiteY4" fmla="*/ 5846317 h 6276841"/>
+              <a:gd name="connsiteX5" fmla="*/ 4872873 w 5464879"/>
+              <a:gd name="connsiteY5" fmla="*/ 6201577 h 6276841"/>
+              <a:gd name="connsiteX6" fmla="*/ 4716632 w 5464879"/>
+              <a:gd name="connsiteY6" fmla="*/ 6276841 h 6276841"/>
+              <a:gd name="connsiteX7" fmla="*/ 1883227 w 5464879"/>
+              <a:gd name="connsiteY7" fmla="*/ 6276841 h 6276841"/>
+              <a:gd name="connsiteX8" fmla="*/ 1726987 w 5464879"/>
+              <a:gd name="connsiteY8" fmla="*/ 6201577 h 6276841"/>
+              <a:gd name="connsiteX9" fmla="*/ 0 w 5464879"/>
+              <a:gd name="connsiteY9" fmla="*/ 3299930 h 6276841"/>
+              <a:gd name="connsiteX10" fmla="*/ 3299930 w 5464879"/>
+              <a:gd name="connsiteY10" fmla="*/ 0 h 6276841"/>
+            </a:gdLst>
+            <a:ahLst/>
+            <a:cxnLst>
+              <a:cxn ang="0">
+                <a:pos x="connsiteX0" y="connsiteY0"/>
+              </a:cxn>
+              <a:cxn ang="0">
+                <a:pos x="connsiteX1" y="connsiteY1"/>
+              </a:cxn>
+              <a:cxn ang="0">
+                <a:pos x="connsiteX2" y="connsiteY2"/>
+              </a:cxn>
+              <a:cxn ang="0">
+                <a:pos x="connsiteX3" y="connsiteY3"/>
+              </a:cxn>
+              <a:cxn ang="0">
+                <a:pos x="connsiteX4" y="connsiteY4"/>
+              </a:cxn>
+              <a:cxn ang="0">
+                <a:pos x="connsiteX5" y="connsiteY5"/>
+              </a:cxn>
+              <a:cxn ang="0">
+                <a:pos x="connsiteX6" y="connsiteY6"/>
+              </a:cxn>
+              <a:cxn ang="0">
+                <a:pos x="connsiteX7" y="connsiteY7"/>
+              </a:cxn>
+              <a:cxn ang="0">
+                <a:pos x="connsiteX8" y="connsiteY8"/>
+              </a:cxn>
+              <a:cxn ang="0">
+                <a:pos x="connsiteX9" y="connsiteY9"/>
+              </a:cxn>
+              <a:cxn ang="0">
+                <a:pos x="connsiteX10" y="connsiteY10"/>
+              </a:cxn>
+            </a:cxnLst>
+            <a:rect l="l" t="t" r="r" b="b"/>
+            <a:pathLst>
+              <a:path w="5464879" h="6276841">
+                <a:moveTo>
+                  <a:pt x="3299930" y="0"/>
+                </a:moveTo>
+                <a:cubicBezTo>
+                  <a:pt x="4097274" y="0"/>
+                  <a:pt x="4828569" y="282789"/>
+                  <a:pt x="5398992" y="753544"/>
+                </a:cubicBezTo>
+                <a:lnTo>
+                  <a:pt x="5464879" y="813426"/>
+                </a:lnTo>
+                <a:lnTo>
+                  <a:pt x="5464879" y="5786434"/>
+                </a:lnTo>
+                <a:lnTo>
+                  <a:pt x="5398992" y="5846317"/>
+                </a:lnTo>
+                <a:cubicBezTo>
+                  <a:pt x="5236014" y="5980818"/>
+                  <a:pt x="5059904" y="6099975"/>
+                  <a:pt x="4872873" y="6201577"/>
+                </a:cubicBezTo>
+                <a:lnTo>
+                  <a:pt x="4716632" y="6276841"/>
+                </a:lnTo>
+                <a:lnTo>
+                  <a:pt x="1883227" y="6276841"/>
+                </a:lnTo>
+                <a:lnTo>
+                  <a:pt x="1726987" y="6201577"/>
+                </a:lnTo>
+                <a:cubicBezTo>
+                  <a:pt x="698316" y="5642769"/>
+                  <a:pt x="0" y="4552900"/>
+                  <a:pt x="0" y="3299930"/>
+                </a:cubicBezTo>
+                <a:cubicBezTo>
+                  <a:pt x="0" y="1477429"/>
+                  <a:pt x="1477429" y="0"/>
+                  <a:pt x="3299930" y="0"/>
+                </a:cubicBezTo>
+                <a:close/>
+              </a:path>
+            </a:pathLst>
+          </a:custGeom>
+          <a:solidFill>
+            <a:srgbClr val="FFFFFF"/>
+          </a:solidFill>
+          <a:ln>
+            <a:gradFill>
+              <a:gsLst>
+                <a:gs pos="0">
+                  <a:schemeClr val="accent1">
+                    <a:lumMod val="40000"/>
+                    <a:lumOff val="60000"/>
+                  </a:schemeClr>
+                </a:gs>
+                <a:gs pos="23000">
+                  <a:schemeClr val="accent1">
+                    <a:lumMod val="45000"/>
+                    <a:lumOff val="55000"/>
+                  </a:schemeClr>
+                </a:gs>
+                <a:gs pos="83000">
+                  <a:schemeClr val="bg2">
+                    <a:lumMod val="75000"/>
+                  </a:schemeClr>
+                </a:gs>
+                <a:gs pos="100000">
+                  <a:schemeClr val="bg2">
+                    <a:lumMod val="75000"/>
+                  </a:schemeClr>
+                </a:gs>
+              </a:gsLst>
+              <a:lin ang="5400000" scaled="1"/>
+            </a:gradFill>
+          </a:ln>
+        </p:spPr>
+        <p:style>
+          <a:lnRef idx="2">
+            <a:schemeClr val="accent1">
+              <a:shade val="50000"/>
+            </a:schemeClr>
+          </a:lnRef>
+          <a:fillRef idx="1">
+            <a:schemeClr val="accent1"/>
+          </a:fillRef>
+          <a:effectRef idx="0">
+            <a:schemeClr val="accent1"/>
+          </a:effectRef>
+          <a:fontRef idx="minor">
+            <a:schemeClr val="lt1"/>
+          </a:fontRef>
+        </p:style>
+        <p:txBody>
+          <a:bodyPr wrap="square" rtlCol="0" anchor="ctr">
+            <a:noAutofit/>
+          </a:bodyPr>
+          <a:lstStyle/>
+          <a:p>
+            <a:pPr algn="ctr"/>
+            <a:endParaRPr lang="en-US"/>
+          </a:p>
+        </p:txBody>
+      </p:sp>
+      <p:pic>
+        <p:nvPicPr>
+          <p:cNvPr id="7" name="Graphic 6">
+            <a:extLst>
+              <a:ext uri="{FF2B5EF4-FFF2-40B4-BE49-F238E27FC236}">
+                <a16:creationId xmlns:a16="http://schemas.microsoft.com/office/drawing/2014/main" id="{C036A3B5-287A-46ED-8B93-096382345A4C}"/>
+              </a:ext>
+            </a:extLst>
+          </p:cNvPr>
+          <p:cNvPicPr>
+            <a:picLocks noChangeAspect="1"/>
+          </p:cNvPicPr>
+          <p:nvPr/>
+        </p:nvPicPr>
+        <p:blipFill>
+          <a:blip r:embed="rId3">
+            <a:extLst>
+              <a:ext uri="{28A0092B-C50C-407E-A947-70E740481C1C}">
+                <a14:useLocalDpi xmlns:a14="http://schemas.microsoft.com/office/drawing/2010/main" val="0"/>
+              </a:ext>
+              <a:ext uri="{96DAC541-7B7A-43D3-8B79-37D633B846F1}">
+                <asvg:svgBlip xmlns:asvg="http://schemas.microsoft.com/office/drawing/2016/SVG/main" r:embed="rId4"/>
+              </a:ext>
+            </a:extLst>
+          </a:blip>
+          <a:stretch>
+            <a:fillRect/>
+          </a:stretch>
+        </p:blipFill>
+        <p:spPr>
+          <a:xfrm>
+            <a:off x="7709770" y="1815320"/>
+            <a:ext cx="4141760" cy="4141760"/>
+          </a:xfrm>
+          <a:prstGeom prst="rect">
+            <a:avLst/>
+          </a:prstGeom>
+        </p:spPr>
+      </p:pic>
     </p:spTree>
     <p:extLst>
       <p:ext uri="{BB962C8B-B14F-4D97-AF65-F5344CB8AC3E}">
@@ -3413,6 +3831,52 @@
       </p:grpSpPr>
       <p:sp>
         <p:nvSpPr>
+          <p:cNvPr id="9" name="矩形 8">
+            <a:extLst>
+              <a:ext uri="{FF2B5EF4-FFF2-40B4-BE49-F238E27FC236}">
+                <a16:creationId xmlns:a16="http://schemas.microsoft.com/office/drawing/2014/main" id="{7C9B1579-9499-4BFD-AA29-A03EBB48D7B6}"/>
+              </a:ext>
+            </a:extLst>
+          </p:cNvPr>
+          <p:cNvSpPr/>
+          <p:nvPr/>
+        </p:nvSpPr>
+        <p:spPr>
+          <a:xfrm>
+            <a:off x="0" y="0"/>
+            <a:ext cx="5397500" cy="6858000"/>
+          </a:xfrm>
+          <a:prstGeom prst="rect">
+            <a:avLst/>
+          </a:prstGeom>
+        </p:spPr>
+        <p:style>
+          <a:lnRef idx="2">
+            <a:schemeClr val="accent1">
+              <a:shade val="50000"/>
+            </a:schemeClr>
+          </a:lnRef>
+          <a:fillRef idx="1">
+            <a:schemeClr val="accent1"/>
+          </a:fillRef>
+          <a:effectRef idx="0">
+            <a:schemeClr val="accent1"/>
+          </a:effectRef>
+          <a:fontRef idx="minor">
+            <a:schemeClr val="lt1"/>
+          </a:fontRef>
+        </p:style>
+        <p:txBody>
+          <a:bodyPr rtlCol="0" anchor="ctr"/>
+          <a:lstStyle/>
+          <a:p>
+            <a:pPr algn="ctr"/>
+            <a:endParaRPr lang="zh-CN" altLang="en-US"/>
+          </a:p>
+        </p:txBody>
+      </p:sp>
+      <p:sp>
+        <p:nvSpPr>
           <p:cNvPr id="2" name="标题 1">
             <a:extLst>
               <a:ext uri="{FF2B5EF4-FFF2-40B4-BE49-F238E27FC236}">
@@ -3427,41 +3891,202 @@
             <p:ph type="title"/>
           </p:nvPr>
         </p:nvSpPr>
-        <p:spPr/>
-        <p:txBody>
-          <a:bodyPr/>
-          <a:lstStyle/>
-          <a:p>
-            <a:r>
-              <a:rPr lang="en-US" altLang="zh-CN" dirty="0"/>
+        <p:spPr>
+          <a:xfrm>
+            <a:off x="501650" y="822326"/>
+            <a:ext cx="4394200" cy="1130110"/>
+          </a:xfrm>
+          <a:solidFill>
+            <a:schemeClr val="bg1"/>
+          </a:solidFill>
+        </p:spPr>
+        <p:txBody>
+          <a:bodyPr/>
+          <a:lstStyle/>
+          <a:p>
+            <a:pPr algn="ctr"/>
+            <a:r>
+              <a:rPr lang="en-US" altLang="zh-CN" dirty="0">
+                <a:ln w="0"/>
+                <a:solidFill>
+                  <a:schemeClr val="accent1"/>
+                </a:solidFill>
+                <a:effectLst>
+                  <a:outerShdw blurRad="38100" dist="25400" dir="5400000" algn="ctr" rotWithShape="0">
+                    <a:srgbClr val="6E747A">
+                      <a:alpha val="43000"/>
+                    </a:srgbClr>
+                  </a:outerShdw>
+                </a:effectLst>
+                <a:latin typeface="Impact" panose="020B0806030902050204" pitchFamily="34" charset="0"/>
+                <a:cs typeface="Aharoni" panose="020B0604020202020204" pitchFamily="2" charset="-79"/>
+              </a:rPr>
               <a:t>Target audience</a:t>
             </a:r>
-            <a:endParaRPr lang="zh-CN" altLang="en-US" dirty="0"/>
-          </a:p>
-        </p:txBody>
-      </p:sp>
-      <p:sp>
-        <p:nvSpPr>
-          <p:cNvPr id="3" name="内容占位符 2">
-            <a:extLst>
-              <a:ext uri="{FF2B5EF4-FFF2-40B4-BE49-F238E27FC236}">
-                <a16:creationId xmlns:a16="http://schemas.microsoft.com/office/drawing/2014/main" id="{5B9E5A5F-CF67-4841-99CF-2299FFF70E60}"/>
-              </a:ext>
-            </a:extLst>
-          </p:cNvPr>
-          <p:cNvSpPr>
-            <a:spLocks noGrp="1"/>
-          </p:cNvSpPr>
+            <a:endParaRPr lang="zh-CN" altLang="en-US" dirty="0">
+              <a:ln w="0"/>
+              <a:solidFill>
+                <a:schemeClr val="accent1"/>
+              </a:solidFill>
+              <a:effectLst>
+                <a:outerShdw blurRad="38100" dist="25400" dir="5400000" algn="ctr" rotWithShape="0">
+                  <a:srgbClr val="6E747A">
+                    <a:alpha val="43000"/>
+                  </a:srgbClr>
+                </a:outerShdw>
+              </a:effectLst>
+              <a:latin typeface="Impact" panose="020B0806030902050204" pitchFamily="34" charset="0"/>
+              <a:cs typeface="Aharoni" panose="020B0604020202020204" pitchFamily="2" charset="-79"/>
+            </a:endParaRPr>
+          </a:p>
+        </p:txBody>
+      </p:sp>
+      <p:pic>
+        <p:nvPicPr>
+          <p:cNvPr id="5" name="内容占位符 4">
+            <a:extLst>
+              <a:ext uri="{FF2B5EF4-FFF2-40B4-BE49-F238E27FC236}">
+                <a16:creationId xmlns:a16="http://schemas.microsoft.com/office/drawing/2014/main" id="{0193C9C7-8446-42CA-89BE-6568DC002A2F}"/>
+              </a:ext>
+            </a:extLst>
+          </p:cNvPr>
+          <p:cNvPicPr>
+            <a:picLocks noGrp="1" noChangeAspect="1"/>
+          </p:cNvPicPr>
           <p:nvPr>
             <p:ph idx="1"/>
           </p:nvPr>
-        </p:nvSpPr>
-        <p:spPr/>
-        <p:txBody>
-          <a:bodyPr/>
-          <a:lstStyle/>
-          <a:p>
-            <a:endParaRPr lang="zh-CN" altLang="en-US"/>
+        </p:nvPicPr>
+        <p:blipFill>
+          <a:blip r:embed="rId2">
+            <a:extLst>
+              <a:ext uri="{28A0092B-C50C-407E-A947-70E740481C1C}">
+                <a14:useLocalDpi xmlns:a14="http://schemas.microsoft.com/office/drawing/2010/main" val="0"/>
+              </a:ext>
+              <a:ext uri="{96DAC541-7B7A-43D3-8B79-37D633B846F1}">
+                <asvg:svgBlip xmlns:asvg="http://schemas.microsoft.com/office/drawing/2016/SVG/main" r:embed="rId3"/>
+              </a:ext>
+            </a:extLst>
+          </a:blip>
+          <a:stretch>
+            <a:fillRect/>
+          </a:stretch>
+        </p:blipFill>
+        <p:spPr>
+          <a:xfrm>
+            <a:off x="5844208" y="1546035"/>
+            <a:ext cx="3765930" cy="3765930"/>
+          </a:xfrm>
+        </p:spPr>
+      </p:pic>
+      <p:pic>
+        <p:nvPicPr>
+          <p:cNvPr id="7" name="图片 6">
+            <a:extLst>
+              <a:ext uri="{FF2B5EF4-FFF2-40B4-BE49-F238E27FC236}">
+                <a16:creationId xmlns:a16="http://schemas.microsoft.com/office/drawing/2014/main" id="{9BBA07A4-ED04-406D-A4A0-3B6D2F013DAB}"/>
+              </a:ext>
+            </a:extLst>
+          </p:cNvPr>
+          <p:cNvPicPr>
+            <a:picLocks noChangeAspect="1"/>
+          </p:cNvPicPr>
+          <p:nvPr/>
+        </p:nvPicPr>
+        <p:blipFill>
+          <a:blip r:embed="rId4">
+            <a:duotone>
+              <a:schemeClr val="accent5">
+                <a:shade val="45000"/>
+                <a:satMod val="135000"/>
+              </a:schemeClr>
+              <a:prstClr val="white"/>
+            </a:duotone>
+            <a:extLst>
+              <a:ext uri="{28A0092B-C50C-407E-A947-70E740481C1C}">
+                <a14:useLocalDpi xmlns:a14="http://schemas.microsoft.com/office/drawing/2010/main" val="0"/>
+              </a:ext>
+            </a:extLst>
+          </a:blip>
+          <a:stretch>
+            <a:fillRect/>
+          </a:stretch>
+        </p:blipFill>
+        <p:spPr>
+          <a:xfrm>
+            <a:off x="8599004" y="1546035"/>
+            <a:ext cx="3765930" cy="3765930"/>
+          </a:xfrm>
+          <a:prstGeom prst="rect">
+            <a:avLst/>
+          </a:prstGeom>
+        </p:spPr>
+      </p:pic>
+      <p:sp>
+        <p:nvSpPr>
+          <p:cNvPr id="11" name="文本框 10">
+            <a:extLst>
+              <a:ext uri="{FF2B5EF4-FFF2-40B4-BE49-F238E27FC236}">
+                <a16:creationId xmlns:a16="http://schemas.microsoft.com/office/drawing/2014/main" id="{5903845E-DB69-4039-9D63-9903C962F657}"/>
+              </a:ext>
+            </a:extLst>
+          </p:cNvPr>
+          <p:cNvSpPr txBox="1"/>
+          <p:nvPr/>
+        </p:nvSpPr>
+        <p:spPr>
+          <a:xfrm>
+            <a:off x="673100" y="2603500"/>
+            <a:ext cx="3543300" cy="1569660"/>
+          </a:xfrm>
+          <a:prstGeom prst="rect">
+            <a:avLst/>
+          </a:prstGeom>
+          <a:noFill/>
+        </p:spPr>
+        <p:txBody>
+          <a:bodyPr wrap="square" rtlCol="0">
+            <a:spAutoFit/>
+          </a:bodyPr>
+          <a:lstStyle/>
+          <a:p>
+            <a:r>
+              <a:rPr lang="en-US" altLang="zh-CN" sz="3200" dirty="0">
+                <a:solidFill>
+                  <a:schemeClr val="bg1"/>
+                </a:solidFill>
+                <a:latin typeface="Impact" panose="020B0806030902050204" pitchFamily="34" charset="0"/>
+              </a:rPr>
+              <a:t>1. </a:t>
+            </a:r>
+          </a:p>
+          <a:p>
+            <a:r>
+              <a:rPr lang="en-US" altLang="zh-CN" sz="3200" dirty="0">
+                <a:solidFill>
+                  <a:schemeClr val="bg1"/>
+                </a:solidFill>
+                <a:latin typeface="Impact" panose="020B0806030902050204" pitchFamily="34" charset="0"/>
+              </a:rPr>
+              <a:t>2. </a:t>
+            </a:r>
+          </a:p>
+          <a:p>
+            <a:r>
+              <a:rPr lang="en-US" altLang="zh-CN" sz="3200" dirty="0">
+                <a:solidFill>
+                  <a:schemeClr val="bg1"/>
+                </a:solidFill>
+                <a:latin typeface="Impact" panose="020B0806030902050204" pitchFamily="34" charset="0"/>
+              </a:rPr>
+              <a:t>3. </a:t>
+            </a:r>
+            <a:endParaRPr lang="zh-CN" altLang="en-US" sz="3200" dirty="0">
+              <a:solidFill>
+                <a:schemeClr val="bg1"/>
+              </a:solidFill>
+              <a:latin typeface="Impact" panose="020B0806030902050204" pitchFamily="34" charset="0"/>
+            </a:endParaRPr>
           </a:p>
         </p:txBody>
       </p:sp>
@@ -3545,7 +4170,7 @@
           <a:bodyPr/>
           <a:lstStyle/>
           <a:p>
-            <a:endParaRPr lang="zh-CN" altLang="en-US"/>
+            <a:endParaRPr lang="zh-CN" altLang="en-US" dirty="0"/>
           </a:p>
         </p:txBody>
       </p:sp>
@@ -3553,6 +4178,426 @@
     <p:extLst>
       <p:ext uri="{BB962C8B-B14F-4D97-AF65-F5344CB8AC3E}">
         <p14:creationId xmlns:p14="http://schemas.microsoft.com/office/powerpoint/2010/main" val="85712617"/>
+      </p:ext>
+    </p:extLst>
+  </p:cSld>
+  <p:clrMapOvr>
+    <a:masterClrMapping/>
+  </p:clrMapOvr>
+</p:sld>
+</file>
+
+<file path=ppt/slides/slide4.xml><?xml version="1.0" encoding="utf-8"?>
+<p:sld xmlns:a="http://schemas.openxmlformats.org/drawingml/2006/main" xmlns:r="http://schemas.openxmlformats.org/officeDocument/2006/relationships" xmlns:p="http://schemas.openxmlformats.org/presentationml/2006/main">
+  <p:cSld>
+    <p:spTree>
+      <p:nvGrpSpPr>
+        <p:cNvPr id="1" name=""/>
+        <p:cNvGrpSpPr/>
+        <p:nvPr/>
+      </p:nvGrpSpPr>
+      <p:grpSpPr>
+        <a:xfrm>
+          <a:off x="0" y="0"/>
+          <a:ext cx="0" cy="0"/>
+          <a:chOff x="0" y="0"/>
+          <a:chExt cx="0" cy="0"/>
+        </a:xfrm>
+      </p:grpSpPr>
+      <p:sp>
+        <p:nvSpPr>
+          <p:cNvPr id="2" name="标题 1">
+            <a:extLst>
+              <a:ext uri="{FF2B5EF4-FFF2-40B4-BE49-F238E27FC236}">
+                <a16:creationId xmlns:a16="http://schemas.microsoft.com/office/drawing/2014/main" id="{457D376A-FA18-4001-9F06-066FDB30C5BB}"/>
+              </a:ext>
+            </a:extLst>
+          </p:cNvPr>
+          <p:cNvSpPr>
+            <a:spLocks noGrp="1"/>
+          </p:cNvSpPr>
+          <p:nvPr>
+            <p:ph type="title"/>
+          </p:nvPr>
+        </p:nvSpPr>
+        <p:spPr/>
+        <p:txBody>
+          <a:bodyPr/>
+          <a:lstStyle/>
+          <a:p>
+            <a:r>
+              <a:rPr lang="en-US" altLang="zh-CN" dirty="0"/>
+              <a:t>Our solution</a:t>
+            </a:r>
+            <a:endParaRPr lang="zh-CN" altLang="en-US" dirty="0"/>
+          </a:p>
+        </p:txBody>
+      </p:sp>
+      <p:sp>
+        <p:nvSpPr>
+          <p:cNvPr id="3" name="内容占位符 2">
+            <a:extLst>
+              <a:ext uri="{FF2B5EF4-FFF2-40B4-BE49-F238E27FC236}">
+                <a16:creationId xmlns:a16="http://schemas.microsoft.com/office/drawing/2014/main" id="{0292E62A-89DA-4C56-A5AF-8857E02436BD}"/>
+              </a:ext>
+            </a:extLst>
+          </p:cNvPr>
+          <p:cNvSpPr>
+            <a:spLocks noGrp="1"/>
+          </p:cNvSpPr>
+          <p:nvPr>
+            <p:ph idx="1"/>
+          </p:nvPr>
+        </p:nvSpPr>
+        <p:spPr/>
+        <p:txBody>
+          <a:bodyPr/>
+          <a:lstStyle/>
+          <a:p>
+            <a:endParaRPr lang="zh-CN" altLang="en-US"/>
+          </a:p>
+        </p:txBody>
+      </p:sp>
+    </p:spTree>
+    <p:extLst>
+      <p:ext uri="{BB962C8B-B14F-4D97-AF65-F5344CB8AC3E}">
+        <p14:creationId xmlns:p14="http://schemas.microsoft.com/office/powerpoint/2010/main" val="504006780"/>
+      </p:ext>
+    </p:extLst>
+  </p:cSld>
+  <p:clrMapOvr>
+    <a:masterClrMapping/>
+  </p:clrMapOvr>
+</p:sld>
+</file>
+
+<file path=ppt/slides/slide5.xml><?xml version="1.0" encoding="utf-8"?>
+<p:sld xmlns:a="http://schemas.openxmlformats.org/drawingml/2006/main" xmlns:r="http://schemas.openxmlformats.org/officeDocument/2006/relationships" xmlns:p="http://schemas.openxmlformats.org/presentationml/2006/main">
+  <p:cSld>
+    <p:spTree>
+      <p:nvGrpSpPr>
+        <p:cNvPr id="1" name=""/>
+        <p:cNvGrpSpPr/>
+        <p:nvPr/>
+      </p:nvGrpSpPr>
+      <p:grpSpPr>
+        <a:xfrm>
+          <a:off x="0" y="0"/>
+          <a:ext cx="0" cy="0"/>
+          <a:chOff x="0" y="0"/>
+          <a:chExt cx="0" cy="0"/>
+        </a:xfrm>
+      </p:grpSpPr>
+      <p:sp>
+        <p:nvSpPr>
+          <p:cNvPr id="2" name="标题 1">
+            <a:extLst>
+              <a:ext uri="{FF2B5EF4-FFF2-40B4-BE49-F238E27FC236}">
+                <a16:creationId xmlns:a16="http://schemas.microsoft.com/office/drawing/2014/main" id="{F79D2807-B4A2-4277-8C69-4E13C7680BFB}"/>
+              </a:ext>
+            </a:extLst>
+          </p:cNvPr>
+          <p:cNvSpPr>
+            <a:spLocks noGrp="1"/>
+          </p:cNvSpPr>
+          <p:nvPr>
+            <p:ph type="title"/>
+          </p:nvPr>
+        </p:nvSpPr>
+        <p:spPr/>
+        <p:txBody>
+          <a:bodyPr/>
+          <a:lstStyle/>
+          <a:p>
+            <a:r>
+              <a:rPr lang="en-US" altLang="zh-CN" dirty="0"/>
+              <a:t>Feature</a:t>
+            </a:r>
+            <a:endParaRPr lang="zh-CN" altLang="en-US" dirty="0"/>
+          </a:p>
+        </p:txBody>
+      </p:sp>
+      <p:sp>
+        <p:nvSpPr>
+          <p:cNvPr id="3" name="内容占位符 2">
+            <a:extLst>
+              <a:ext uri="{FF2B5EF4-FFF2-40B4-BE49-F238E27FC236}">
+                <a16:creationId xmlns:a16="http://schemas.microsoft.com/office/drawing/2014/main" id="{A7EFEFDA-711B-4F52-A843-7DBAAB9BA93C}"/>
+              </a:ext>
+            </a:extLst>
+          </p:cNvPr>
+          <p:cNvSpPr>
+            <a:spLocks noGrp="1"/>
+          </p:cNvSpPr>
+          <p:nvPr>
+            <p:ph idx="1"/>
+          </p:nvPr>
+        </p:nvSpPr>
+        <p:spPr/>
+        <p:txBody>
+          <a:bodyPr/>
+          <a:lstStyle/>
+          <a:p>
+            <a:endParaRPr lang="zh-CN" altLang="en-US"/>
+          </a:p>
+        </p:txBody>
+      </p:sp>
+    </p:spTree>
+    <p:extLst>
+      <p:ext uri="{BB962C8B-B14F-4D97-AF65-F5344CB8AC3E}">
+        <p14:creationId xmlns:p14="http://schemas.microsoft.com/office/powerpoint/2010/main" val="2414564456"/>
+      </p:ext>
+    </p:extLst>
+  </p:cSld>
+  <p:clrMapOvr>
+    <a:masterClrMapping/>
+  </p:clrMapOvr>
+</p:sld>
+</file>
+
+<file path=ppt/slides/slide6.xml><?xml version="1.0" encoding="utf-8"?>
+<p:sld xmlns:a="http://schemas.openxmlformats.org/drawingml/2006/main" xmlns:r="http://schemas.openxmlformats.org/officeDocument/2006/relationships" xmlns:p="http://schemas.openxmlformats.org/presentationml/2006/main">
+  <p:cSld>
+    <p:spTree>
+      <p:nvGrpSpPr>
+        <p:cNvPr id="1" name=""/>
+        <p:cNvGrpSpPr/>
+        <p:nvPr/>
+      </p:nvGrpSpPr>
+      <p:grpSpPr>
+        <a:xfrm>
+          <a:off x="0" y="0"/>
+          <a:ext cx="0" cy="0"/>
+          <a:chOff x="0" y="0"/>
+          <a:chExt cx="0" cy="0"/>
+        </a:xfrm>
+      </p:grpSpPr>
+      <p:sp>
+        <p:nvSpPr>
+          <p:cNvPr id="2" name="标题 1">
+            <a:extLst>
+              <a:ext uri="{FF2B5EF4-FFF2-40B4-BE49-F238E27FC236}">
+                <a16:creationId xmlns:a16="http://schemas.microsoft.com/office/drawing/2014/main" id="{61104F22-E025-4F63-8167-D248768E46CB}"/>
+              </a:ext>
+            </a:extLst>
+          </p:cNvPr>
+          <p:cNvSpPr>
+            <a:spLocks noGrp="1"/>
+          </p:cNvSpPr>
+          <p:nvPr>
+            <p:ph type="title"/>
+          </p:nvPr>
+        </p:nvSpPr>
+        <p:spPr/>
+        <p:txBody>
+          <a:bodyPr/>
+          <a:lstStyle/>
+          <a:p>
+            <a:r>
+              <a:rPr lang="en-US" altLang="zh-CN" dirty="0"/>
+              <a:t>Feature</a:t>
+            </a:r>
+            <a:endParaRPr lang="zh-CN" altLang="en-US" dirty="0"/>
+          </a:p>
+        </p:txBody>
+      </p:sp>
+      <p:sp>
+        <p:nvSpPr>
+          <p:cNvPr id="3" name="内容占位符 2">
+            <a:extLst>
+              <a:ext uri="{FF2B5EF4-FFF2-40B4-BE49-F238E27FC236}">
+                <a16:creationId xmlns:a16="http://schemas.microsoft.com/office/drawing/2014/main" id="{8BE94C93-80EC-4C5F-BE42-B7197079ADF7}"/>
+              </a:ext>
+            </a:extLst>
+          </p:cNvPr>
+          <p:cNvSpPr>
+            <a:spLocks noGrp="1"/>
+          </p:cNvSpPr>
+          <p:nvPr>
+            <p:ph idx="1"/>
+          </p:nvPr>
+        </p:nvSpPr>
+        <p:spPr/>
+        <p:txBody>
+          <a:bodyPr/>
+          <a:lstStyle/>
+          <a:p>
+            <a:endParaRPr lang="zh-CN" altLang="en-US"/>
+          </a:p>
+        </p:txBody>
+      </p:sp>
+    </p:spTree>
+    <p:extLst>
+      <p:ext uri="{BB962C8B-B14F-4D97-AF65-F5344CB8AC3E}">
+        <p14:creationId xmlns:p14="http://schemas.microsoft.com/office/powerpoint/2010/main" val="1972465176"/>
+      </p:ext>
+    </p:extLst>
+  </p:cSld>
+  <p:clrMapOvr>
+    <a:masterClrMapping/>
+  </p:clrMapOvr>
+</p:sld>
+</file>
+
+<file path=ppt/slides/slide7.xml><?xml version="1.0" encoding="utf-8"?>
+<p:sld xmlns:a="http://schemas.openxmlformats.org/drawingml/2006/main" xmlns:r="http://schemas.openxmlformats.org/officeDocument/2006/relationships" xmlns:p="http://schemas.openxmlformats.org/presentationml/2006/main">
+  <p:cSld>
+    <p:spTree>
+      <p:nvGrpSpPr>
+        <p:cNvPr id="1" name=""/>
+        <p:cNvGrpSpPr/>
+        <p:nvPr/>
+      </p:nvGrpSpPr>
+      <p:grpSpPr>
+        <a:xfrm>
+          <a:off x="0" y="0"/>
+          <a:ext cx="0" cy="0"/>
+          <a:chOff x="0" y="0"/>
+          <a:chExt cx="0" cy="0"/>
+        </a:xfrm>
+      </p:grpSpPr>
+      <p:sp>
+        <p:nvSpPr>
+          <p:cNvPr id="2" name="标题 1">
+            <a:extLst>
+              <a:ext uri="{FF2B5EF4-FFF2-40B4-BE49-F238E27FC236}">
+                <a16:creationId xmlns:a16="http://schemas.microsoft.com/office/drawing/2014/main" id="{B57CAB9A-B027-4B5E-B213-154AA208E0ED}"/>
+              </a:ext>
+            </a:extLst>
+          </p:cNvPr>
+          <p:cNvSpPr>
+            <a:spLocks noGrp="1"/>
+          </p:cNvSpPr>
+          <p:nvPr>
+            <p:ph type="title"/>
+          </p:nvPr>
+        </p:nvSpPr>
+        <p:spPr/>
+        <p:txBody>
+          <a:bodyPr/>
+          <a:lstStyle/>
+          <a:p>
+            <a:r>
+              <a:rPr lang="en-US" altLang="zh-CN" dirty="0"/>
+              <a:t>Prototype</a:t>
+            </a:r>
+            <a:endParaRPr lang="zh-CN" altLang="en-US" dirty="0"/>
+          </a:p>
+        </p:txBody>
+      </p:sp>
+      <p:sp>
+        <p:nvSpPr>
+          <p:cNvPr id="3" name="内容占位符 2">
+            <a:extLst>
+              <a:ext uri="{FF2B5EF4-FFF2-40B4-BE49-F238E27FC236}">
+                <a16:creationId xmlns:a16="http://schemas.microsoft.com/office/drawing/2014/main" id="{49A2BF20-BC04-4469-AAF7-5F47832C20B8}"/>
+              </a:ext>
+            </a:extLst>
+          </p:cNvPr>
+          <p:cNvSpPr>
+            <a:spLocks noGrp="1"/>
+          </p:cNvSpPr>
+          <p:nvPr>
+            <p:ph idx="1"/>
+          </p:nvPr>
+        </p:nvSpPr>
+        <p:spPr/>
+        <p:txBody>
+          <a:bodyPr/>
+          <a:lstStyle/>
+          <a:p>
+            <a:endParaRPr lang="zh-CN" altLang="en-US"/>
+          </a:p>
+        </p:txBody>
+      </p:sp>
+    </p:spTree>
+    <p:extLst>
+      <p:ext uri="{BB962C8B-B14F-4D97-AF65-F5344CB8AC3E}">
+        <p14:creationId xmlns:p14="http://schemas.microsoft.com/office/powerpoint/2010/main" val="3883074230"/>
+      </p:ext>
+    </p:extLst>
+  </p:cSld>
+  <p:clrMapOvr>
+    <a:masterClrMapping/>
+  </p:clrMapOvr>
+</p:sld>
+</file>
+
+<file path=ppt/slides/slide8.xml><?xml version="1.0" encoding="utf-8"?>
+<p:sld xmlns:a="http://schemas.openxmlformats.org/drawingml/2006/main" xmlns:r="http://schemas.openxmlformats.org/officeDocument/2006/relationships" xmlns:p="http://schemas.openxmlformats.org/presentationml/2006/main">
+  <p:cSld>
+    <p:spTree>
+      <p:nvGrpSpPr>
+        <p:cNvPr id="1" name=""/>
+        <p:cNvGrpSpPr/>
+        <p:nvPr/>
+      </p:nvGrpSpPr>
+      <p:grpSpPr>
+        <a:xfrm>
+          <a:off x="0" y="0"/>
+          <a:ext cx="0" cy="0"/>
+          <a:chOff x="0" y="0"/>
+          <a:chExt cx="0" cy="0"/>
+        </a:xfrm>
+      </p:grpSpPr>
+      <p:sp>
+        <p:nvSpPr>
+          <p:cNvPr id="2" name="标题 1">
+            <a:extLst>
+              <a:ext uri="{FF2B5EF4-FFF2-40B4-BE49-F238E27FC236}">
+                <a16:creationId xmlns:a16="http://schemas.microsoft.com/office/drawing/2014/main" id="{5E113E10-3D70-46D7-B708-A43DB36082C4}"/>
+              </a:ext>
+            </a:extLst>
+          </p:cNvPr>
+          <p:cNvSpPr>
+            <a:spLocks noGrp="1"/>
+          </p:cNvSpPr>
+          <p:nvPr>
+            <p:ph type="title"/>
+          </p:nvPr>
+        </p:nvSpPr>
+        <p:spPr/>
+        <p:txBody>
+          <a:bodyPr/>
+          <a:lstStyle/>
+          <a:p>
+            <a:r>
+              <a:rPr lang="en-US" altLang="zh-CN" dirty="0"/>
+              <a:t>Further development</a:t>
+            </a:r>
+            <a:endParaRPr lang="zh-CN" altLang="en-US" dirty="0"/>
+          </a:p>
+        </p:txBody>
+      </p:sp>
+      <p:sp>
+        <p:nvSpPr>
+          <p:cNvPr id="3" name="内容占位符 2">
+            <a:extLst>
+              <a:ext uri="{FF2B5EF4-FFF2-40B4-BE49-F238E27FC236}">
+                <a16:creationId xmlns:a16="http://schemas.microsoft.com/office/drawing/2014/main" id="{7859AA6A-3171-4E46-828A-D0D1CC238A11}"/>
+              </a:ext>
+            </a:extLst>
+          </p:cNvPr>
+          <p:cNvSpPr>
+            <a:spLocks noGrp="1"/>
+          </p:cNvSpPr>
+          <p:nvPr>
+            <p:ph idx="1"/>
+          </p:nvPr>
+        </p:nvSpPr>
+        <p:spPr/>
+        <p:txBody>
+          <a:bodyPr/>
+          <a:lstStyle/>
+          <a:p>
+            <a:endParaRPr lang="zh-CN" altLang="en-US"/>
+          </a:p>
+        </p:txBody>
+      </p:sp>
+    </p:spTree>
+    <p:extLst>
+      <p:ext uri="{BB962C8B-B14F-4D97-AF65-F5344CB8AC3E}">
+        <p14:creationId xmlns:p14="http://schemas.microsoft.com/office/powerpoint/2010/main" val="1514391834"/>
       </p:ext>
     </p:extLst>
   </p:cSld>

--- a/presentation.pptx
+++ b/presentation.pptx
@@ -13,6 +13,7 @@
     <p:sldId id="261" r:id="rId7"/>
     <p:sldId id="262" r:id="rId8"/>
     <p:sldId id="263" r:id="rId9"/>
+    <p:sldId id="264" r:id="rId10"/>
   </p:sldIdLst>
   <p:sldSz cx="12192000" cy="6858000"/>
   <p:notesSz cx="6858000" cy="9144000"/>
@@ -3341,66 +3342,74 @@
           <a:chExt cx="0" cy="0"/>
         </a:xfrm>
       </p:grpSpPr>
-      <p:sp>
-        <p:nvSpPr>
-          <p:cNvPr id="10" name="Rectangle 9">
-            <a:extLst>
-              <a:ext uri="{FF2B5EF4-FFF2-40B4-BE49-F238E27FC236}">
-                <a16:creationId xmlns:a16="http://schemas.microsoft.com/office/drawing/2014/main" id="{35555856-9970-4BC3-9AA9-6A917F53AFBD}"/>
-              </a:ext>
-              <a:ext uri="{C183D7F6-B498-43B3-948B-1728B52AA6E4}">
-                <adec:decorative xmlns:adec="http://schemas.microsoft.com/office/drawing/2017/decorative" val="1"/>
-              </a:ext>
-            </a:extLst>
-          </p:cNvPr>
-          <p:cNvSpPr>
-            <a:spLocks noGrp="1" noRot="1" noChangeAspect="1" noMove="1" noResize="1" noEditPoints="1" noAdjustHandles="1" noChangeArrowheads="1" noChangeShapeType="1" noTextEdit="1"/>
-          </p:cNvSpPr>
-          <p:nvPr>
-            <p:extLst>
-              <p:ext uri="{386F3935-93C4-4BCD-93E2-E3B085C9AB24}">
-                <p16:designElem xmlns:p16="http://schemas.microsoft.com/office/powerpoint/2015/main" val="1"/>
-              </p:ext>
-            </p:extLst>
-          </p:nvPr>
-        </p:nvSpPr>
+      <p:pic>
+        <p:nvPicPr>
+          <p:cNvPr id="5" name="图片 4">
+            <a:extLst>
+              <a:ext uri="{FF2B5EF4-FFF2-40B4-BE49-F238E27FC236}">
+                <a16:creationId xmlns:a16="http://schemas.microsoft.com/office/drawing/2014/main" id="{2A3C285F-2C2C-4E2B-A41D-794EB8136D4B}"/>
+              </a:ext>
+            </a:extLst>
+          </p:cNvPr>
+          <p:cNvPicPr>
+            <a:picLocks noChangeAspect="1"/>
+          </p:cNvPicPr>
+          <p:nvPr/>
+        </p:nvPicPr>
+        <p:blipFill>
+          <a:blip r:embed="rId2">
+            <a:extLst>
+              <a:ext uri="{28A0092B-C50C-407E-A947-70E740481C1C}">
+                <a14:useLocalDpi xmlns:a14="http://schemas.microsoft.com/office/drawing/2010/main" val="0"/>
+              </a:ext>
+            </a:extLst>
+          </a:blip>
+          <a:stretch>
+            <a:fillRect/>
+          </a:stretch>
+        </p:blipFill>
         <p:spPr>
           <a:xfrm>
-            <a:off x="5769972" y="0"/>
-            <a:ext cx="6421721" cy="6858000"/>
+            <a:off x="0" y="-29818"/>
+            <a:ext cx="12192000" cy="6932900"/>
           </a:xfrm>
           <a:prstGeom prst="rect">
             <a:avLst/>
           </a:prstGeom>
-          <a:gradFill>
-            <a:gsLst>
-              <a:gs pos="0">
-                <a:schemeClr val="accent1">
-                  <a:lumMod val="100000"/>
-                  <a:alpha val="82000"/>
-                </a:schemeClr>
-              </a:gs>
-              <a:gs pos="25000">
-                <a:schemeClr val="accent1">
-                  <a:alpha val="60000"/>
-                </a:schemeClr>
-              </a:gs>
-              <a:gs pos="94000">
-                <a:schemeClr val="bg2">
-                  <a:lumMod val="75000"/>
-                </a:schemeClr>
-              </a:gs>
-              <a:gs pos="100000">
-                <a:schemeClr val="bg2">
-                  <a:lumMod val="75000"/>
-                </a:schemeClr>
-              </a:gs>
-            </a:gsLst>
-            <a:lin ang="4200000" scaled="0"/>
-          </a:gradFill>
-          <a:ln>
-            <a:noFill/>
-          </a:ln>
+        </p:spPr>
+      </p:pic>
+      <p:sp>
+        <p:nvSpPr>
+          <p:cNvPr id="6" name="矩形 5">
+            <a:extLst>
+              <a:ext uri="{FF2B5EF4-FFF2-40B4-BE49-F238E27FC236}">
+                <a16:creationId xmlns:a16="http://schemas.microsoft.com/office/drawing/2014/main" id="{BDAA9EAD-4288-4C2C-BF29-03EB75C64C32}"/>
+              </a:ext>
+            </a:extLst>
+          </p:cNvPr>
+          <p:cNvSpPr/>
+          <p:nvPr/>
+        </p:nvSpPr>
+        <p:spPr>
+          <a:xfrm>
+            <a:off x="2851150" y="2143542"/>
+            <a:ext cx="6489700" cy="2358884"/>
+          </a:xfrm>
+          <a:prstGeom prst="rect">
+            <a:avLst/>
+          </a:prstGeom>
+          <a:solidFill>
+            <a:srgbClr val="BFBFBF">
+              <a:alpha val="72157"/>
+            </a:srgbClr>
+          </a:solidFill>
+          <a:effectLst>
+            <a:outerShdw blurRad="50800" dist="38100" dir="2700000" algn="tl" rotWithShape="0">
+              <a:prstClr val="black">
+                <a:alpha val="40000"/>
+              </a:prstClr>
+            </a:outerShdw>
+          </a:effectLst>
         </p:spPr>
         <p:style>
           <a:lnRef idx="2">
@@ -3423,55 +3432,10 @@
           <a:lstStyle/>
           <a:p>
             <a:pPr algn="ctr"/>
-            <a:endParaRPr lang="en-US"/>
-          </a:p>
-        </p:txBody>
-      </p:sp>
-      <p:pic>
-        <p:nvPicPr>
-          <p:cNvPr id="12" name="Picture 11">
-            <a:extLst>
-              <a:ext uri="{FF2B5EF4-FFF2-40B4-BE49-F238E27FC236}">
-                <a16:creationId xmlns:a16="http://schemas.microsoft.com/office/drawing/2014/main" id="{7F487851-BFAF-46D8-A1ED-50CAD6E46F59}"/>
-              </a:ext>
-              <a:ext uri="{C183D7F6-B498-43B3-948B-1728B52AA6E4}">
-                <adec:decorative xmlns:adec="http://schemas.microsoft.com/office/drawing/2017/decorative" val="1"/>
-              </a:ext>
-            </a:extLst>
-          </p:cNvPr>
-          <p:cNvPicPr>
-            <a:picLocks noGrp="1" noRot="1" noChangeAspect="1" noMove="1" noResize="1" noEditPoints="1" noAdjustHandles="1" noChangeArrowheads="1" noChangeShapeType="1" noCrop="1"/>
-          </p:cNvPicPr>
-          <p:nvPr>
-            <p:extLst>
-              <p:ext uri="{386F3935-93C4-4BCD-93E2-E3B085C9AB24}">
-                <p16:designElem xmlns:p16="http://schemas.microsoft.com/office/powerpoint/2015/main" val="1"/>
-              </p:ext>
-            </p:extLst>
-          </p:nvPr>
-        </p:nvPicPr>
-        <p:blipFill>
-          <a:blip r:embed="rId2">
-            <a:extLst>
-              <a:ext uri="{28A0092B-C50C-407E-A947-70E740481C1C}">
-                <a14:useLocalDpi xmlns:a14="http://schemas.microsoft.com/office/drawing/2010/main" val="0"/>
-              </a:ext>
-            </a:extLst>
-          </a:blip>
-          <a:stretch>
-            <a:fillRect/>
-          </a:stretch>
-        </p:blipFill>
-        <p:spPr>
-          <a:xfrm flipH="1">
-            <a:off x="0" y="0"/>
-            <a:ext cx="12192000" cy="6858000"/>
-          </a:xfrm>
-          <a:prstGeom prst="rect">
-            <a:avLst/>
-          </a:prstGeom>
-        </p:spPr>
-      </p:pic>
+            <a:endParaRPr lang="zh-CN" altLang="en-US" dirty="0"/>
+          </a:p>
+        </p:txBody>
+      </p:sp>
       <p:sp>
         <p:nvSpPr>
           <p:cNvPr id="2" name="标题 1">
@@ -3490,8 +3454,8 @@
         </p:nvSpPr>
         <p:spPr>
           <a:xfrm>
-            <a:off x="804484" y="4267832"/>
-            <a:ext cx="4805996" cy="1297115"/>
+            <a:off x="3441699" y="2777491"/>
+            <a:ext cx="5308600" cy="1090985"/>
           </a:xfrm>
         </p:spPr>
         <p:txBody>
@@ -3500,19 +3464,20 @@
           </a:bodyPr>
           <a:lstStyle/>
           <a:p>
-            <a:pPr algn="l"/>
-            <a:r>
-              <a:rPr lang="en-US" altLang="zh-CN" sz="4400">
+            <a:r>
+              <a:rPr lang="en-US" altLang="zh-CN" sz="4800" dirty="0">
                 <a:solidFill>
-                  <a:srgbClr val="000000"/>
+                  <a:schemeClr val="bg1"/>
                 </a:solidFill>
+                <a:latin typeface="Impact" panose="020B0806030902050204" pitchFamily="34" charset="0"/>
               </a:rPr>
-              <a:t>Plant a tree	</a:t>
-            </a:r>
-            <a:endParaRPr lang="zh-CN" altLang="en-US" sz="4400">
+              <a:t>Plant a tree</a:t>
+            </a:r>
+            <a:endParaRPr lang="zh-CN" altLang="en-US" sz="4800" dirty="0">
               <a:solidFill>
-                <a:srgbClr val="000000"/>
+                <a:schemeClr val="bg1"/>
               </a:solidFill>
+              <a:latin typeface="Impact" panose="020B0806030902050204" pitchFamily="34" charset="0"/>
             </a:endParaRPr>
           </a:p>
         </p:txBody>
@@ -3535,8 +3500,8 @@
         </p:nvSpPr>
         <p:spPr>
           <a:xfrm>
-            <a:off x="804788" y="3428999"/>
-            <a:ext cx="4805691" cy="838831"/>
+            <a:off x="2279720" y="2891139"/>
+            <a:ext cx="7632557" cy="1090985"/>
           </a:xfrm>
         </p:spPr>
         <p:txBody>
@@ -3545,260 +3510,24 @@
           </a:bodyPr>
           <a:lstStyle/>
           <a:p>
-            <a:pPr algn="l"/>
-            <a:r>
-              <a:rPr lang="en-US" altLang="zh-CN" sz="1800">
+            <a:r>
+              <a:rPr lang="en-US" altLang="zh-CN" sz="2000" dirty="0">
                 <a:solidFill>
-                  <a:srgbClr val="000000"/>
+                  <a:schemeClr val="bg1"/>
                 </a:solidFill>
+                <a:latin typeface="Impact" panose="020B0806030902050204" pitchFamily="34" charset="0"/>
               </a:rPr>
               <a:t>A solution to crowd lending and crowd funding</a:t>
             </a:r>
-            <a:endParaRPr lang="zh-CN" altLang="en-US" sz="1800">
+            <a:endParaRPr lang="zh-CN" altLang="en-US" sz="2000" dirty="0">
               <a:solidFill>
-                <a:srgbClr val="000000"/>
+                <a:schemeClr val="bg1"/>
               </a:solidFill>
+              <a:latin typeface="Impact" panose="020B0806030902050204" pitchFamily="34" charset="0"/>
             </a:endParaRPr>
           </a:p>
         </p:txBody>
       </p:sp>
-      <p:sp>
-        <p:nvSpPr>
-          <p:cNvPr id="14" name="Freeform 50">
-            <a:extLst>
-              <a:ext uri="{FF2B5EF4-FFF2-40B4-BE49-F238E27FC236}">
-                <a16:creationId xmlns:a16="http://schemas.microsoft.com/office/drawing/2014/main" id="{13722DD7-BA73-4776-93A3-94491FEF7260}"/>
-              </a:ext>
-              <a:ext uri="{C183D7F6-B498-43B3-948B-1728B52AA6E4}">
-                <adec:decorative xmlns:adec="http://schemas.microsoft.com/office/drawing/2017/decorative" val="1"/>
-              </a:ext>
-            </a:extLst>
-          </p:cNvPr>
-          <p:cNvSpPr>
-            <a:spLocks noGrp="1" noRot="1" noChangeAspect="1" noMove="1" noResize="1" noEditPoints="1" noAdjustHandles="1" noChangeArrowheads="1" noChangeShapeType="1" noTextEdit="1"/>
-          </p:cNvSpPr>
-          <p:nvPr>
-            <p:extLst>
-              <p:ext uri="{386F3935-93C4-4BCD-93E2-E3B085C9AB24}">
-                <p16:designElem xmlns:p16="http://schemas.microsoft.com/office/powerpoint/2015/main" val="1"/>
-              </p:ext>
-            </p:extLst>
-          </p:nvPr>
-        </p:nvSpPr>
-        <p:spPr>
-          <a:xfrm>
-            <a:off x="6727121" y="581159"/>
-            <a:ext cx="5464879" cy="6276841"/>
-          </a:xfrm>
-          <a:custGeom>
-            <a:avLst/>
-            <a:gdLst>
-              <a:gd name="connsiteX0" fmla="*/ 3299930 w 5464879"/>
-              <a:gd name="connsiteY0" fmla="*/ 0 h 6276841"/>
-              <a:gd name="connsiteX1" fmla="*/ 5398992 w 5464879"/>
-              <a:gd name="connsiteY1" fmla="*/ 753544 h 6276841"/>
-              <a:gd name="connsiteX2" fmla="*/ 5464879 w 5464879"/>
-              <a:gd name="connsiteY2" fmla="*/ 813426 h 6276841"/>
-              <a:gd name="connsiteX3" fmla="*/ 5464879 w 5464879"/>
-              <a:gd name="connsiteY3" fmla="*/ 5786434 h 6276841"/>
-              <a:gd name="connsiteX4" fmla="*/ 5398992 w 5464879"/>
-              <a:gd name="connsiteY4" fmla="*/ 5846317 h 6276841"/>
-              <a:gd name="connsiteX5" fmla="*/ 4872873 w 5464879"/>
-              <a:gd name="connsiteY5" fmla="*/ 6201577 h 6276841"/>
-              <a:gd name="connsiteX6" fmla="*/ 4716632 w 5464879"/>
-              <a:gd name="connsiteY6" fmla="*/ 6276841 h 6276841"/>
-              <a:gd name="connsiteX7" fmla="*/ 1883227 w 5464879"/>
-              <a:gd name="connsiteY7" fmla="*/ 6276841 h 6276841"/>
-              <a:gd name="connsiteX8" fmla="*/ 1726987 w 5464879"/>
-              <a:gd name="connsiteY8" fmla="*/ 6201577 h 6276841"/>
-              <a:gd name="connsiteX9" fmla="*/ 0 w 5464879"/>
-              <a:gd name="connsiteY9" fmla="*/ 3299930 h 6276841"/>
-              <a:gd name="connsiteX10" fmla="*/ 3299930 w 5464879"/>
-              <a:gd name="connsiteY10" fmla="*/ 0 h 6276841"/>
-            </a:gdLst>
-            <a:ahLst/>
-            <a:cxnLst>
-              <a:cxn ang="0">
-                <a:pos x="connsiteX0" y="connsiteY0"/>
-              </a:cxn>
-              <a:cxn ang="0">
-                <a:pos x="connsiteX1" y="connsiteY1"/>
-              </a:cxn>
-              <a:cxn ang="0">
-                <a:pos x="connsiteX2" y="connsiteY2"/>
-              </a:cxn>
-              <a:cxn ang="0">
-                <a:pos x="connsiteX3" y="connsiteY3"/>
-              </a:cxn>
-              <a:cxn ang="0">
-                <a:pos x="connsiteX4" y="connsiteY4"/>
-              </a:cxn>
-              <a:cxn ang="0">
-                <a:pos x="connsiteX5" y="connsiteY5"/>
-              </a:cxn>
-              <a:cxn ang="0">
-                <a:pos x="connsiteX6" y="connsiteY6"/>
-              </a:cxn>
-              <a:cxn ang="0">
-                <a:pos x="connsiteX7" y="connsiteY7"/>
-              </a:cxn>
-              <a:cxn ang="0">
-                <a:pos x="connsiteX8" y="connsiteY8"/>
-              </a:cxn>
-              <a:cxn ang="0">
-                <a:pos x="connsiteX9" y="connsiteY9"/>
-              </a:cxn>
-              <a:cxn ang="0">
-                <a:pos x="connsiteX10" y="connsiteY10"/>
-              </a:cxn>
-            </a:cxnLst>
-            <a:rect l="l" t="t" r="r" b="b"/>
-            <a:pathLst>
-              <a:path w="5464879" h="6276841">
-                <a:moveTo>
-                  <a:pt x="3299930" y="0"/>
-                </a:moveTo>
-                <a:cubicBezTo>
-                  <a:pt x="4097274" y="0"/>
-                  <a:pt x="4828569" y="282789"/>
-                  <a:pt x="5398992" y="753544"/>
-                </a:cubicBezTo>
-                <a:lnTo>
-                  <a:pt x="5464879" y="813426"/>
-                </a:lnTo>
-                <a:lnTo>
-                  <a:pt x="5464879" y="5786434"/>
-                </a:lnTo>
-                <a:lnTo>
-                  <a:pt x="5398992" y="5846317"/>
-                </a:lnTo>
-                <a:cubicBezTo>
-                  <a:pt x="5236014" y="5980818"/>
-                  <a:pt x="5059904" y="6099975"/>
-                  <a:pt x="4872873" y="6201577"/>
-                </a:cubicBezTo>
-                <a:lnTo>
-                  <a:pt x="4716632" y="6276841"/>
-                </a:lnTo>
-                <a:lnTo>
-                  <a:pt x="1883227" y="6276841"/>
-                </a:lnTo>
-                <a:lnTo>
-                  <a:pt x="1726987" y="6201577"/>
-                </a:lnTo>
-                <a:cubicBezTo>
-                  <a:pt x="698316" y="5642769"/>
-                  <a:pt x="0" y="4552900"/>
-                  <a:pt x="0" y="3299930"/>
-                </a:cubicBezTo>
-                <a:cubicBezTo>
-                  <a:pt x="0" y="1477429"/>
-                  <a:pt x="1477429" y="0"/>
-                  <a:pt x="3299930" y="0"/>
-                </a:cubicBezTo>
-                <a:close/>
-              </a:path>
-            </a:pathLst>
-          </a:custGeom>
-          <a:solidFill>
-            <a:srgbClr val="FFFFFF"/>
-          </a:solidFill>
-          <a:ln>
-            <a:gradFill>
-              <a:gsLst>
-                <a:gs pos="0">
-                  <a:schemeClr val="accent1">
-                    <a:lumMod val="40000"/>
-                    <a:lumOff val="60000"/>
-                  </a:schemeClr>
-                </a:gs>
-                <a:gs pos="23000">
-                  <a:schemeClr val="accent1">
-                    <a:lumMod val="45000"/>
-                    <a:lumOff val="55000"/>
-                  </a:schemeClr>
-                </a:gs>
-                <a:gs pos="83000">
-                  <a:schemeClr val="bg2">
-                    <a:lumMod val="75000"/>
-                  </a:schemeClr>
-                </a:gs>
-                <a:gs pos="100000">
-                  <a:schemeClr val="bg2">
-                    <a:lumMod val="75000"/>
-                  </a:schemeClr>
-                </a:gs>
-              </a:gsLst>
-              <a:lin ang="5400000" scaled="1"/>
-            </a:gradFill>
-          </a:ln>
-        </p:spPr>
-        <p:style>
-          <a:lnRef idx="2">
-            <a:schemeClr val="accent1">
-              <a:shade val="50000"/>
-            </a:schemeClr>
-          </a:lnRef>
-          <a:fillRef idx="1">
-            <a:schemeClr val="accent1"/>
-          </a:fillRef>
-          <a:effectRef idx="0">
-            <a:schemeClr val="accent1"/>
-          </a:effectRef>
-          <a:fontRef idx="minor">
-            <a:schemeClr val="lt1"/>
-          </a:fontRef>
-        </p:style>
-        <p:txBody>
-          <a:bodyPr wrap="square" rtlCol="0" anchor="ctr">
-            <a:noAutofit/>
-          </a:bodyPr>
-          <a:lstStyle/>
-          <a:p>
-            <a:pPr algn="ctr"/>
-            <a:endParaRPr lang="en-US"/>
-          </a:p>
-        </p:txBody>
-      </p:sp>
-      <p:pic>
-        <p:nvPicPr>
-          <p:cNvPr id="7" name="Graphic 6">
-            <a:extLst>
-              <a:ext uri="{FF2B5EF4-FFF2-40B4-BE49-F238E27FC236}">
-                <a16:creationId xmlns:a16="http://schemas.microsoft.com/office/drawing/2014/main" id="{C036A3B5-287A-46ED-8B93-096382345A4C}"/>
-              </a:ext>
-            </a:extLst>
-          </p:cNvPr>
-          <p:cNvPicPr>
-            <a:picLocks noChangeAspect="1"/>
-          </p:cNvPicPr>
-          <p:nvPr/>
-        </p:nvPicPr>
-        <p:blipFill>
-          <a:blip r:embed="rId3">
-            <a:extLst>
-              <a:ext uri="{28A0092B-C50C-407E-A947-70E740481C1C}">
-                <a14:useLocalDpi xmlns:a14="http://schemas.microsoft.com/office/drawing/2010/main" val="0"/>
-              </a:ext>
-              <a:ext uri="{96DAC541-7B7A-43D3-8B79-37D633B846F1}">
-                <asvg:svgBlip xmlns:asvg="http://schemas.microsoft.com/office/drawing/2016/SVG/main" r:embed="rId4"/>
-              </a:ext>
-            </a:extLst>
-          </a:blip>
-          <a:stretch>
-            <a:fillRect/>
-          </a:stretch>
-        </p:blipFill>
-        <p:spPr>
-          <a:xfrm>
-            <a:off x="7709770" y="1815320"/>
-            <a:ext cx="4141760" cy="4141760"/>
-          </a:xfrm>
-          <a:prstGeom prst="rect">
-            <a:avLst/>
-          </a:prstGeom>
-        </p:spPr>
-      </p:pic>
     </p:spTree>
     <p:extLst>
       <p:ext uri="{BB962C8B-B14F-4D97-AF65-F5344CB8AC3E}">
@@ -4479,7 +4208,7 @@
           <a:p>
             <a:r>
               <a:rPr lang="en-US" altLang="zh-CN" dirty="0"/>
-              <a:t>Prototype</a:t>
+              <a:t>Prototype Demo</a:t>
             </a:r>
             <a:endParaRPr lang="zh-CN" altLang="en-US" dirty="0"/>
           </a:p>
@@ -4590,7 +4319,7 @@
           <a:bodyPr/>
           <a:lstStyle/>
           <a:p>
-            <a:endParaRPr lang="zh-CN" altLang="en-US"/>
+            <a:endParaRPr lang="zh-CN" altLang="en-US" dirty="0"/>
           </a:p>
         </p:txBody>
       </p:sp>
@@ -4598,6 +4327,808 @@
     <p:extLst>
       <p:ext uri="{BB962C8B-B14F-4D97-AF65-F5344CB8AC3E}">
         <p14:creationId xmlns:p14="http://schemas.microsoft.com/office/powerpoint/2010/main" val="1514391834"/>
+      </p:ext>
+    </p:extLst>
+  </p:cSld>
+  <p:clrMapOvr>
+    <a:masterClrMapping/>
+  </p:clrMapOvr>
+</p:sld>
+</file>
+
+<file path=ppt/slides/slide9.xml><?xml version="1.0" encoding="utf-8"?>
+<p:sld xmlns:a="http://schemas.openxmlformats.org/drawingml/2006/main" xmlns:r="http://schemas.openxmlformats.org/officeDocument/2006/relationships" xmlns:p="http://schemas.openxmlformats.org/presentationml/2006/main">
+  <p:cSld>
+    <p:spTree>
+      <p:nvGrpSpPr>
+        <p:cNvPr id="1" name=""/>
+        <p:cNvGrpSpPr/>
+        <p:nvPr/>
+      </p:nvGrpSpPr>
+      <p:grpSpPr>
+        <a:xfrm>
+          <a:off x="0" y="0"/>
+          <a:ext cx="0" cy="0"/>
+          <a:chOff x="0" y="0"/>
+          <a:chExt cx="0" cy="0"/>
+        </a:xfrm>
+      </p:grpSpPr>
+      <p:sp>
+        <p:nvSpPr>
+          <p:cNvPr id="6" name="文本框 5">
+            <a:extLst>
+              <a:ext uri="{FF2B5EF4-FFF2-40B4-BE49-F238E27FC236}">
+                <a16:creationId xmlns:a16="http://schemas.microsoft.com/office/drawing/2014/main" id="{C2350F7C-AF82-42EB-BD3E-82674DB859D2}"/>
+              </a:ext>
+            </a:extLst>
+          </p:cNvPr>
+          <p:cNvSpPr txBox="1"/>
+          <p:nvPr/>
+        </p:nvSpPr>
+        <p:spPr>
+          <a:xfrm>
+            <a:off x="1098453" y="2549347"/>
+            <a:ext cx="2121093" cy="338554"/>
+          </a:xfrm>
+          <a:prstGeom prst="rect">
+            <a:avLst/>
+          </a:prstGeom>
+          <a:noFill/>
+        </p:spPr>
+        <p:txBody>
+          <a:bodyPr wrap="none" rtlCol="0">
+            <a:spAutoFit/>
+          </a:bodyPr>
+          <a:lstStyle/>
+          <a:p>
+            <a:r>
+              <a:rPr lang="en-US" altLang="zh-CN" sz="1600" dirty="0"/>
+              <a:t>Raymond@email.com</a:t>
+            </a:r>
+            <a:endParaRPr lang="zh-CN" altLang="en-US" sz="1600" dirty="0"/>
+          </a:p>
+        </p:txBody>
+      </p:sp>
+      <p:sp>
+        <p:nvSpPr>
+          <p:cNvPr id="7" name="文本框 6">
+            <a:extLst>
+              <a:ext uri="{FF2B5EF4-FFF2-40B4-BE49-F238E27FC236}">
+                <a16:creationId xmlns:a16="http://schemas.microsoft.com/office/drawing/2014/main" id="{02275D66-64A3-4D30-A37E-7F8B7031C669}"/>
+              </a:ext>
+            </a:extLst>
+          </p:cNvPr>
+          <p:cNvSpPr txBox="1"/>
+          <p:nvPr/>
+        </p:nvSpPr>
+        <p:spPr>
+          <a:xfrm>
+            <a:off x="260884" y="1977237"/>
+            <a:ext cx="3796232" cy="523220"/>
+          </a:xfrm>
+          <a:prstGeom prst="rect">
+            <a:avLst/>
+          </a:prstGeom>
+          <a:noFill/>
+        </p:spPr>
+        <p:txBody>
+          <a:bodyPr wrap="none" rtlCol="0">
+            <a:spAutoFit/>
+          </a:bodyPr>
+          <a:lstStyle/>
+          <a:p>
+            <a:r>
+              <a:rPr lang="en-SG" altLang="zh-CN" sz="2800" dirty="0">
+                <a:latin typeface="Dotum" panose="020B0503020000020004" pitchFamily="34" charset="-127"/>
+                <a:ea typeface="Dotum" panose="020B0503020000020004" pitchFamily="34" charset="-127"/>
+              </a:rPr>
+              <a:t>Raymond Reddington</a:t>
+            </a:r>
+            <a:endParaRPr lang="zh-CN" altLang="en-US" sz="2800" dirty="0">
+              <a:latin typeface="Dotum" panose="020B0503020000020004" pitchFamily="34" charset="-127"/>
+              <a:ea typeface="Dotum" panose="020B0503020000020004" pitchFamily="34" charset="-127"/>
+            </a:endParaRPr>
+          </a:p>
+        </p:txBody>
+      </p:sp>
+      <p:sp>
+        <p:nvSpPr>
+          <p:cNvPr id="11" name="矩形 10">
+            <a:extLst>
+              <a:ext uri="{FF2B5EF4-FFF2-40B4-BE49-F238E27FC236}">
+                <a16:creationId xmlns:a16="http://schemas.microsoft.com/office/drawing/2014/main" id="{D82DAB7F-C0F1-47D1-82A3-0A131EC8EFFE}"/>
+              </a:ext>
+            </a:extLst>
+          </p:cNvPr>
+          <p:cNvSpPr/>
+          <p:nvPr/>
+        </p:nvSpPr>
+        <p:spPr>
+          <a:xfrm>
+            <a:off x="0" y="0"/>
+            <a:ext cx="12192000" cy="1476375"/>
+          </a:xfrm>
+          <a:prstGeom prst="rect">
+            <a:avLst/>
+          </a:prstGeom>
+          <a:ln>
+            <a:noFill/>
+          </a:ln>
+        </p:spPr>
+        <p:style>
+          <a:lnRef idx="2">
+            <a:schemeClr val="accent1">
+              <a:shade val="50000"/>
+            </a:schemeClr>
+          </a:lnRef>
+          <a:fillRef idx="1">
+            <a:schemeClr val="accent1"/>
+          </a:fillRef>
+          <a:effectRef idx="0">
+            <a:schemeClr val="accent1"/>
+          </a:effectRef>
+          <a:fontRef idx="minor">
+            <a:schemeClr val="lt1"/>
+          </a:fontRef>
+        </p:style>
+        <p:txBody>
+          <a:bodyPr rtlCol="0" anchor="ctr"/>
+          <a:lstStyle/>
+          <a:p>
+            <a:pPr algn="ctr"/>
+            <a:endParaRPr lang="zh-CN" altLang="en-US"/>
+          </a:p>
+        </p:txBody>
+      </p:sp>
+      <p:sp>
+        <p:nvSpPr>
+          <p:cNvPr id="8" name="椭圆 7">
+            <a:extLst>
+              <a:ext uri="{FF2B5EF4-FFF2-40B4-BE49-F238E27FC236}">
+                <a16:creationId xmlns:a16="http://schemas.microsoft.com/office/drawing/2014/main" id="{BC37074D-9D52-4735-9960-DC319D8842F6}"/>
+              </a:ext>
+            </a:extLst>
+          </p:cNvPr>
+          <p:cNvSpPr/>
+          <p:nvPr/>
+        </p:nvSpPr>
+        <p:spPr>
+          <a:xfrm>
+            <a:off x="1426626" y="394751"/>
+            <a:ext cx="1476375" cy="1476375"/>
+          </a:xfrm>
+          <a:prstGeom prst="ellipse">
+            <a:avLst/>
+          </a:prstGeom>
+          <a:blipFill dpi="0" rotWithShape="1">
+            <a:blip r:embed="rId2">
+              <a:extLst>
+                <a:ext uri="{28A0092B-C50C-407E-A947-70E740481C1C}">
+                  <a14:useLocalDpi xmlns:a14="http://schemas.microsoft.com/office/drawing/2010/main" val="0"/>
+                </a:ext>
+              </a:extLst>
+            </a:blip>
+            <a:srcRect/>
+            <a:stretch>
+              <a:fillRect/>
+            </a:stretch>
+          </a:blipFill>
+          <a:ln w="19050">
+            <a:solidFill>
+              <a:schemeClr val="bg1"/>
+            </a:solidFill>
+          </a:ln>
+          <a:effectLst>
+            <a:outerShdw blurRad="50800" dist="38100" dir="2700000" algn="tl" rotWithShape="0">
+              <a:prstClr val="black">
+                <a:alpha val="40000"/>
+              </a:prstClr>
+            </a:outerShdw>
+          </a:effectLst>
+        </p:spPr>
+        <p:style>
+          <a:lnRef idx="2">
+            <a:schemeClr val="accent1">
+              <a:shade val="50000"/>
+            </a:schemeClr>
+          </a:lnRef>
+          <a:fillRef idx="1">
+            <a:schemeClr val="accent1"/>
+          </a:fillRef>
+          <a:effectRef idx="0">
+            <a:schemeClr val="accent1"/>
+          </a:effectRef>
+          <a:fontRef idx="minor">
+            <a:schemeClr val="lt1"/>
+          </a:fontRef>
+        </p:style>
+        <p:txBody>
+          <a:bodyPr rtlCol="0" anchor="ctr"/>
+          <a:lstStyle/>
+          <a:p>
+            <a:pPr algn="ctr"/>
+            <a:endParaRPr lang="zh-CN" altLang="en-US"/>
+          </a:p>
+        </p:txBody>
+      </p:sp>
+      <p:sp>
+        <p:nvSpPr>
+          <p:cNvPr id="15" name="矩形 14">
+            <a:extLst>
+              <a:ext uri="{FF2B5EF4-FFF2-40B4-BE49-F238E27FC236}">
+                <a16:creationId xmlns:a16="http://schemas.microsoft.com/office/drawing/2014/main" id="{A2E6C84B-243F-4E86-9D88-A9A3BBAF287A}"/>
+              </a:ext>
+            </a:extLst>
+          </p:cNvPr>
+          <p:cNvSpPr/>
+          <p:nvPr/>
+        </p:nvSpPr>
+        <p:spPr>
+          <a:xfrm>
+            <a:off x="13142" y="5108575"/>
+            <a:ext cx="2159000" cy="901700"/>
+          </a:xfrm>
+          <a:prstGeom prst="rect">
+            <a:avLst/>
+          </a:prstGeom>
+          <a:solidFill>
+            <a:schemeClr val="bg1">
+              <a:lumMod val="95000"/>
+            </a:schemeClr>
+          </a:solidFill>
+          <a:ln>
+            <a:noFill/>
+          </a:ln>
+        </p:spPr>
+        <p:style>
+          <a:lnRef idx="2">
+            <a:schemeClr val="accent1">
+              <a:shade val="50000"/>
+            </a:schemeClr>
+          </a:lnRef>
+          <a:fillRef idx="1">
+            <a:schemeClr val="accent1"/>
+          </a:fillRef>
+          <a:effectRef idx="0">
+            <a:schemeClr val="accent1"/>
+          </a:effectRef>
+          <a:fontRef idx="minor">
+            <a:schemeClr val="lt1"/>
+          </a:fontRef>
+        </p:style>
+        <p:txBody>
+          <a:bodyPr rtlCol="0" anchor="ctr"/>
+          <a:lstStyle/>
+          <a:p>
+            <a:pPr algn="ctr"/>
+            <a:r>
+              <a:rPr lang="en-US" altLang="zh-CN" dirty="0">
+                <a:solidFill>
+                  <a:schemeClr val="tx1"/>
+                </a:solidFill>
+              </a:rPr>
+              <a:t>3000</a:t>
+            </a:r>
+            <a:endParaRPr lang="zh-CN" altLang="en-US" dirty="0">
+              <a:solidFill>
+                <a:schemeClr val="tx1"/>
+              </a:solidFill>
+            </a:endParaRPr>
+          </a:p>
+        </p:txBody>
+      </p:sp>
+      <p:sp>
+        <p:nvSpPr>
+          <p:cNvPr id="16" name="矩形 15">
+            <a:extLst>
+              <a:ext uri="{FF2B5EF4-FFF2-40B4-BE49-F238E27FC236}">
+                <a16:creationId xmlns:a16="http://schemas.microsoft.com/office/drawing/2014/main" id="{046AAF99-1AAC-42D3-BA6D-E4052943E807}"/>
+              </a:ext>
+            </a:extLst>
+          </p:cNvPr>
+          <p:cNvSpPr/>
+          <p:nvPr/>
+        </p:nvSpPr>
+        <p:spPr>
+          <a:xfrm>
+            <a:off x="2159000" y="5108575"/>
+            <a:ext cx="2159000" cy="901700"/>
+          </a:xfrm>
+          <a:prstGeom prst="rect">
+            <a:avLst/>
+          </a:prstGeom>
+          <a:solidFill>
+            <a:schemeClr val="bg1">
+              <a:lumMod val="95000"/>
+            </a:schemeClr>
+          </a:solidFill>
+          <a:ln>
+            <a:noFill/>
+          </a:ln>
+        </p:spPr>
+        <p:style>
+          <a:lnRef idx="2">
+            <a:schemeClr val="accent1">
+              <a:shade val="50000"/>
+            </a:schemeClr>
+          </a:lnRef>
+          <a:fillRef idx="1">
+            <a:schemeClr val="accent1"/>
+          </a:fillRef>
+          <a:effectRef idx="0">
+            <a:schemeClr val="accent1"/>
+          </a:effectRef>
+          <a:fontRef idx="minor">
+            <a:schemeClr val="lt1"/>
+          </a:fontRef>
+        </p:style>
+        <p:txBody>
+          <a:bodyPr rtlCol="0" anchor="ctr"/>
+          <a:lstStyle/>
+          <a:p>
+            <a:pPr algn="ctr"/>
+            <a:endParaRPr lang="zh-CN" altLang="en-US" dirty="0"/>
+          </a:p>
+        </p:txBody>
+      </p:sp>
+      <p:cxnSp>
+        <p:nvCxnSpPr>
+          <p:cNvPr id="18" name="直接连接符 17">
+            <a:extLst>
+              <a:ext uri="{FF2B5EF4-FFF2-40B4-BE49-F238E27FC236}">
+                <a16:creationId xmlns:a16="http://schemas.microsoft.com/office/drawing/2014/main" id="{E04BB856-4142-4D7D-BE50-9BBEDC3F9044}"/>
+              </a:ext>
+            </a:extLst>
+          </p:cNvPr>
+          <p:cNvCxnSpPr>
+            <a:cxnSpLocks/>
+          </p:cNvCxnSpPr>
+          <p:nvPr/>
+        </p:nvCxnSpPr>
+        <p:spPr>
+          <a:xfrm flipH="1">
+            <a:off x="2146300" y="5108575"/>
+            <a:ext cx="12700" cy="911225"/>
+          </a:xfrm>
+          <a:prstGeom prst="line">
+            <a:avLst/>
+          </a:prstGeom>
+          <a:ln>
+            <a:solidFill>
+              <a:schemeClr val="bg1">
+                <a:lumMod val="65000"/>
+              </a:schemeClr>
+            </a:solidFill>
+          </a:ln>
+        </p:spPr>
+        <p:style>
+          <a:lnRef idx="1">
+            <a:schemeClr val="dk1"/>
+          </a:lnRef>
+          <a:fillRef idx="0">
+            <a:schemeClr val="dk1"/>
+          </a:fillRef>
+          <a:effectRef idx="0">
+            <a:schemeClr val="dk1"/>
+          </a:effectRef>
+          <a:fontRef idx="minor">
+            <a:schemeClr val="tx1"/>
+          </a:fontRef>
+        </p:style>
+      </p:cxnSp>
+      <p:sp>
+        <p:nvSpPr>
+          <p:cNvPr id="20" name="矩形 19">
+            <a:extLst>
+              <a:ext uri="{FF2B5EF4-FFF2-40B4-BE49-F238E27FC236}">
+                <a16:creationId xmlns:a16="http://schemas.microsoft.com/office/drawing/2014/main" id="{0F5FB15A-A193-4A66-8AA7-0E4E037B4FE7}"/>
+              </a:ext>
+            </a:extLst>
+          </p:cNvPr>
+          <p:cNvSpPr/>
+          <p:nvPr/>
+        </p:nvSpPr>
+        <p:spPr>
+          <a:xfrm>
+            <a:off x="0" y="6010275"/>
+            <a:ext cx="4318000" cy="847725"/>
+          </a:xfrm>
+          <a:prstGeom prst="rect">
+            <a:avLst/>
+          </a:prstGeom>
+        </p:spPr>
+        <p:style>
+          <a:lnRef idx="2">
+            <a:schemeClr val="accent1">
+              <a:shade val="50000"/>
+            </a:schemeClr>
+          </a:lnRef>
+          <a:fillRef idx="1">
+            <a:schemeClr val="accent1"/>
+          </a:fillRef>
+          <a:effectRef idx="0">
+            <a:schemeClr val="accent1"/>
+          </a:effectRef>
+          <a:fontRef idx="minor">
+            <a:schemeClr val="lt1"/>
+          </a:fontRef>
+        </p:style>
+        <p:txBody>
+          <a:bodyPr rtlCol="0" anchor="ctr"/>
+          <a:lstStyle/>
+          <a:p>
+            <a:pPr algn="ctr"/>
+            <a:r>
+              <a:rPr lang="en-US" altLang="zh-CN" sz="2400" dirty="0"/>
+              <a:t>Explore</a:t>
+            </a:r>
+            <a:endParaRPr lang="zh-CN" altLang="en-US" sz="2400" dirty="0"/>
+          </a:p>
+        </p:txBody>
+      </p:sp>
+      <p:pic>
+        <p:nvPicPr>
+          <p:cNvPr id="22" name="图片 21">
+            <a:extLst>
+              <a:ext uri="{FF2B5EF4-FFF2-40B4-BE49-F238E27FC236}">
+                <a16:creationId xmlns:a16="http://schemas.microsoft.com/office/drawing/2014/main" id="{771B2F2B-A7EB-4EE2-B42C-9249DFB65E41}"/>
+              </a:ext>
+            </a:extLst>
+          </p:cNvPr>
+          <p:cNvPicPr>
+            <a:picLocks noChangeAspect="1"/>
+          </p:cNvPicPr>
+          <p:nvPr/>
+        </p:nvPicPr>
+        <p:blipFill>
+          <a:blip r:embed="rId3">
+            <a:extLst>
+              <a:ext uri="{28A0092B-C50C-407E-A947-70E740481C1C}">
+                <a14:useLocalDpi xmlns:a14="http://schemas.microsoft.com/office/drawing/2010/main" val="0"/>
+              </a:ext>
+            </a:extLst>
+          </a:blip>
+          <a:stretch>
+            <a:fillRect/>
+          </a:stretch>
+        </p:blipFill>
+        <p:spPr>
+          <a:xfrm>
+            <a:off x="518150" y="5405100"/>
+            <a:ext cx="297200" cy="297200"/>
+          </a:xfrm>
+          <a:prstGeom prst="rect">
+            <a:avLst/>
+          </a:prstGeom>
+        </p:spPr>
+      </p:pic>
+      <p:pic>
+        <p:nvPicPr>
+          <p:cNvPr id="24" name="图片 23">
+            <a:extLst>
+              <a:ext uri="{FF2B5EF4-FFF2-40B4-BE49-F238E27FC236}">
+                <a16:creationId xmlns:a16="http://schemas.microsoft.com/office/drawing/2014/main" id="{BA4B2981-4FC1-4C75-83E2-236DD9E681F5}"/>
+              </a:ext>
+            </a:extLst>
+          </p:cNvPr>
+          <p:cNvPicPr>
+            <a:picLocks noChangeAspect="1"/>
+          </p:cNvPicPr>
+          <p:nvPr/>
+        </p:nvPicPr>
+        <p:blipFill>
+          <a:blip r:embed="rId4">
+            <a:extLst>
+              <a:ext uri="{28A0092B-C50C-407E-A947-70E740481C1C}">
+                <a14:useLocalDpi xmlns:a14="http://schemas.microsoft.com/office/drawing/2010/main" val="0"/>
+              </a:ext>
+            </a:extLst>
+          </a:blip>
+          <a:stretch>
+            <a:fillRect/>
+          </a:stretch>
+        </p:blipFill>
+        <p:spPr>
+          <a:xfrm>
+            <a:off x="2658357" y="5353506"/>
+            <a:ext cx="348794" cy="348794"/>
+          </a:xfrm>
+          <a:prstGeom prst="rect">
+            <a:avLst/>
+          </a:prstGeom>
+        </p:spPr>
+      </p:pic>
+      <p:sp>
+        <p:nvSpPr>
+          <p:cNvPr id="25" name="文本框 24">
+            <a:extLst>
+              <a:ext uri="{FF2B5EF4-FFF2-40B4-BE49-F238E27FC236}">
+                <a16:creationId xmlns:a16="http://schemas.microsoft.com/office/drawing/2014/main" id="{42056BED-2600-4484-AF26-D40F37A1DA63}"/>
+              </a:ext>
+            </a:extLst>
+          </p:cNvPr>
+          <p:cNvSpPr txBox="1"/>
+          <p:nvPr/>
+        </p:nvSpPr>
+        <p:spPr>
+          <a:xfrm>
+            <a:off x="2903001" y="5374759"/>
+            <a:ext cx="866349" cy="369332"/>
+          </a:xfrm>
+          <a:prstGeom prst="rect">
+            <a:avLst/>
+          </a:prstGeom>
+          <a:noFill/>
+        </p:spPr>
+        <p:txBody>
+          <a:bodyPr wrap="square" rtlCol="0">
+            <a:spAutoFit/>
+          </a:bodyPr>
+          <a:lstStyle/>
+          <a:p>
+            <a:r>
+              <a:rPr lang="en-US" altLang="zh-CN" dirty="0"/>
+              <a:t>23444</a:t>
+            </a:r>
+            <a:endParaRPr lang="zh-CN" altLang="en-US" dirty="0"/>
+          </a:p>
+        </p:txBody>
+      </p:sp>
+      <p:sp>
+        <p:nvSpPr>
+          <p:cNvPr id="27" name="文本框 26">
+            <a:extLst>
+              <a:ext uri="{FF2B5EF4-FFF2-40B4-BE49-F238E27FC236}">
+                <a16:creationId xmlns:a16="http://schemas.microsoft.com/office/drawing/2014/main" id="{53EBFDC4-7DD5-4213-84B5-A34A8463D67A}"/>
+              </a:ext>
+            </a:extLst>
+          </p:cNvPr>
+          <p:cNvSpPr txBox="1"/>
+          <p:nvPr/>
+        </p:nvSpPr>
+        <p:spPr>
+          <a:xfrm>
+            <a:off x="274026" y="2954437"/>
+            <a:ext cx="3796232" cy="2031325"/>
+          </a:xfrm>
+          <a:prstGeom prst="rect">
+            <a:avLst/>
+          </a:prstGeom>
+          <a:noFill/>
+        </p:spPr>
+        <p:txBody>
+          <a:bodyPr wrap="square" rtlCol="0">
+            <a:spAutoFit/>
+          </a:bodyPr>
+          <a:lstStyle/>
+          <a:p>
+            <a:pPr algn="just"/>
+            <a:r>
+              <a:rPr lang="en-SG" altLang="zh-CN" dirty="0"/>
+              <a:t>Lorem ipsum </a:t>
+            </a:r>
+            <a:r>
+              <a:rPr lang="en-SG" altLang="zh-CN" dirty="0" err="1"/>
+              <a:t>dolor</a:t>
+            </a:r>
+            <a:r>
+              <a:rPr lang="en-SG" altLang="zh-CN" dirty="0"/>
+              <a:t> sit </a:t>
+            </a:r>
+            <a:r>
+              <a:rPr lang="en-SG" altLang="zh-CN" dirty="0" err="1"/>
+              <a:t>amet</a:t>
+            </a:r>
+            <a:r>
+              <a:rPr lang="en-SG" altLang="zh-CN" dirty="0"/>
+              <a:t>, </a:t>
+            </a:r>
+            <a:r>
+              <a:rPr lang="en-SG" altLang="zh-CN" dirty="0" err="1"/>
+              <a:t>consectetur</a:t>
+            </a:r>
+            <a:r>
+              <a:rPr lang="en-SG" altLang="zh-CN" dirty="0"/>
+              <a:t> </a:t>
+            </a:r>
+            <a:r>
+              <a:rPr lang="en-SG" altLang="zh-CN" dirty="0" err="1"/>
+              <a:t>adipiscing</a:t>
+            </a:r>
+            <a:r>
+              <a:rPr lang="en-SG" altLang="zh-CN" dirty="0"/>
+              <a:t> </a:t>
+            </a:r>
+            <a:r>
+              <a:rPr lang="en-SG" altLang="zh-CN" dirty="0" err="1"/>
+              <a:t>elit</a:t>
+            </a:r>
+            <a:r>
+              <a:rPr lang="en-SG" altLang="zh-CN" dirty="0"/>
+              <a:t>, </a:t>
+            </a:r>
+            <a:r>
+              <a:rPr lang="en-SG" altLang="zh-CN" dirty="0" err="1"/>
+              <a:t>sed</a:t>
+            </a:r>
+            <a:r>
+              <a:rPr lang="en-SG" altLang="zh-CN" dirty="0"/>
+              <a:t> do </a:t>
+            </a:r>
+            <a:r>
+              <a:rPr lang="en-SG" altLang="zh-CN" dirty="0" err="1"/>
+              <a:t>eiusmod</a:t>
+            </a:r>
+            <a:r>
+              <a:rPr lang="en-SG" altLang="zh-CN" dirty="0"/>
+              <a:t> </a:t>
+            </a:r>
+            <a:r>
+              <a:rPr lang="en-SG" altLang="zh-CN" dirty="0" err="1"/>
+              <a:t>tempor</a:t>
+            </a:r>
+            <a:r>
+              <a:rPr lang="en-SG" altLang="zh-CN" dirty="0"/>
+              <a:t> </a:t>
+            </a:r>
+            <a:r>
+              <a:rPr lang="en-SG" altLang="zh-CN" dirty="0" err="1"/>
+              <a:t>incididunt</a:t>
+            </a:r>
+            <a:r>
+              <a:rPr lang="en-SG" altLang="zh-CN" dirty="0"/>
+              <a:t> </a:t>
+            </a:r>
+            <a:r>
+              <a:rPr lang="en-SG" altLang="zh-CN" dirty="0" err="1"/>
+              <a:t>ut</a:t>
+            </a:r>
+            <a:r>
+              <a:rPr lang="en-SG" altLang="zh-CN" dirty="0"/>
+              <a:t> </a:t>
+            </a:r>
+            <a:r>
+              <a:rPr lang="en-SG" altLang="zh-CN" dirty="0" err="1"/>
+              <a:t>labore</a:t>
+            </a:r>
+            <a:r>
+              <a:rPr lang="en-SG" altLang="zh-CN" dirty="0"/>
+              <a:t> et dolore magna </a:t>
+            </a:r>
+            <a:r>
+              <a:rPr lang="en-SG" altLang="zh-CN" dirty="0" err="1"/>
+              <a:t>aliqua</a:t>
+            </a:r>
+            <a:r>
+              <a:rPr lang="en-SG" altLang="zh-CN" dirty="0"/>
+              <a:t>. Ut </a:t>
+            </a:r>
+            <a:r>
+              <a:rPr lang="en-SG" altLang="zh-CN" dirty="0" err="1"/>
+              <a:t>enim</a:t>
+            </a:r>
+            <a:r>
+              <a:rPr lang="en-SG" altLang="zh-CN" dirty="0"/>
+              <a:t> ad minim </a:t>
+            </a:r>
+            <a:r>
+              <a:rPr lang="en-SG" altLang="zh-CN" dirty="0" err="1"/>
+              <a:t>veniam</a:t>
+            </a:r>
+            <a:r>
+              <a:rPr lang="en-SG" altLang="zh-CN" dirty="0"/>
+              <a:t>, </a:t>
+            </a:r>
+            <a:r>
+              <a:rPr lang="en-SG" altLang="zh-CN" dirty="0" err="1"/>
+              <a:t>quis</a:t>
+            </a:r>
+            <a:r>
+              <a:rPr lang="en-SG" altLang="zh-CN" dirty="0"/>
+              <a:t> </a:t>
+            </a:r>
+            <a:r>
+              <a:rPr lang="en-SG" altLang="zh-CN" dirty="0" err="1"/>
+              <a:t>nostrud</a:t>
+            </a:r>
+            <a:r>
+              <a:rPr lang="en-SG" altLang="zh-CN" dirty="0"/>
+              <a:t> exercitation </a:t>
+            </a:r>
+            <a:r>
+              <a:rPr lang="en-SG" altLang="zh-CN" dirty="0" err="1"/>
+              <a:t>ullamco</a:t>
+            </a:r>
+            <a:r>
+              <a:rPr lang="en-SG" altLang="zh-CN" dirty="0"/>
+              <a:t> </a:t>
+            </a:r>
+            <a:r>
+              <a:rPr lang="en-SG" altLang="zh-CN" dirty="0" err="1"/>
+              <a:t>laboris</a:t>
+            </a:r>
+            <a:r>
+              <a:rPr lang="en-SG" altLang="zh-CN" dirty="0"/>
+              <a:t> nisi </a:t>
+            </a:r>
+            <a:r>
+              <a:rPr lang="en-SG" altLang="zh-CN" dirty="0" err="1"/>
+              <a:t>ut</a:t>
+            </a:r>
+            <a:r>
+              <a:rPr lang="en-SG" altLang="zh-CN" dirty="0"/>
+              <a:t> </a:t>
+            </a:r>
+            <a:r>
+              <a:rPr lang="en-SG" altLang="zh-CN" dirty="0" err="1"/>
+              <a:t>aliquip</a:t>
+            </a:r>
+            <a:r>
+              <a:rPr lang="en-SG" altLang="zh-CN" dirty="0"/>
+              <a:t> ex </a:t>
+            </a:r>
+            <a:r>
+              <a:rPr lang="en-SG" altLang="zh-CN" dirty="0" err="1"/>
+              <a:t>ea</a:t>
+            </a:r>
+            <a:r>
+              <a:rPr lang="en-SG" altLang="zh-CN" dirty="0"/>
+              <a:t> </a:t>
+            </a:r>
+            <a:r>
+              <a:rPr lang="en-SG" altLang="zh-CN" dirty="0" err="1"/>
+              <a:t>commodo</a:t>
+            </a:r>
+            <a:r>
+              <a:rPr lang="en-SG" altLang="zh-CN" dirty="0"/>
+              <a:t> </a:t>
+            </a:r>
+            <a:r>
+              <a:rPr lang="en-SG" altLang="zh-CN" dirty="0" err="1"/>
+              <a:t>consequat</a:t>
+            </a:r>
+            <a:r>
+              <a:rPr lang="en-SG" altLang="zh-CN" dirty="0"/>
+              <a:t>. </a:t>
+            </a:r>
+            <a:endParaRPr lang="zh-CN" altLang="en-US" dirty="0"/>
+          </a:p>
+        </p:txBody>
+      </p:sp>
+      <p:pic>
+        <p:nvPicPr>
+          <p:cNvPr id="28" name="图片 27">
+            <a:extLst>
+              <a:ext uri="{FF2B5EF4-FFF2-40B4-BE49-F238E27FC236}">
+                <a16:creationId xmlns:a16="http://schemas.microsoft.com/office/drawing/2014/main" id="{6202B477-87CC-462D-9815-8ECD7ADEA914}"/>
+              </a:ext>
+            </a:extLst>
+          </p:cNvPr>
+          <p:cNvPicPr>
+            <a:picLocks noChangeAspect="1"/>
+          </p:cNvPicPr>
+          <p:nvPr/>
+        </p:nvPicPr>
+        <p:blipFill>
+          <a:blip r:embed="rId5"/>
+          <a:stretch>
+            <a:fillRect/>
+          </a:stretch>
+        </p:blipFill>
+        <p:spPr>
+          <a:xfrm>
+            <a:off x="5724708" y="1132938"/>
+            <a:ext cx="4341070" cy="6858000"/>
+          </a:xfrm>
+          <a:prstGeom prst="rect">
+            <a:avLst/>
+          </a:prstGeom>
+        </p:spPr>
+      </p:pic>
+    </p:spTree>
+    <p:extLst>
+      <p:ext uri="{BB962C8B-B14F-4D97-AF65-F5344CB8AC3E}">
+        <p14:creationId xmlns:p14="http://schemas.microsoft.com/office/powerpoint/2010/main" val="4054155344"/>
       </p:ext>
     </p:extLst>
   </p:cSld>
